--- a/swift基礎訓練6堂課/第6堂列舉/列舉.pptx
+++ b/swift基礎訓練6堂課/第6堂列舉/列舉.pptx
@@ -32850,7 +32850,7 @@
         <p:spPr>
           <a:xfrm>
             <a:off x="581630" y="1564061"/>
-            <a:ext cx="4759020" cy="383541"/>
+            <a:ext cx="4390768" cy="509666"/>
           </a:xfrm>
           <a:prstGeom prst="rect">
             <a:avLst/>
@@ -32870,9 +32870,9 @@
           </a:bodyPr>
           <a:lstStyle/>
           <a:p>
-            <a:pPr marL="457200" indent="-317500" defTabSz="457200">
+            <a:pPr marL="527755" indent="-388055" defTabSz="457200">
               <a:lnSpc>
-                <a:spcPts val="2300"/>
+                <a:spcPts val="1700"/>
               </a:lnSpc>
               <a:spcBef>
                 <a:spcPts val="0"/>
@@ -32883,14 +32883,14 @@
               <a:buSzPct val="100000"/>
               <a:buFont typeface="Menlo"/>
               <a:buChar char="•"/>
-              <a:defRPr b="0" sz="900">
-                <a:solidFill>
-                  <a:srgbClr val="3F6E74"/>
-                </a:solidFill>
-                <a:latin typeface="Menlo"/>
-                <a:ea typeface="Menlo"/>
-                <a:cs typeface="Menlo"/>
-                <a:sym typeface="Menlo"/>
+              <a:defRPr b="0" sz="1100">
+                <a:solidFill>
+                  <a:srgbClr val="5C2699"/>
+                </a:solidFill>
+                <a:latin typeface="Arial"/>
+                <a:ea typeface="Arial"/>
+                <a:cs typeface="Arial"/>
+                <a:sym typeface="Arial"/>
               </a:defRPr>
             </a:pPr>
             <a:r>
@@ -32965,9 +32965,9 @@
             </a:endParaRPr>
           </a:p>
           <a:p>
-            <a:pPr marL="457200" indent="-317500" defTabSz="457200">
+            <a:pPr marL="527755" indent="-388055" defTabSz="457200">
               <a:lnSpc>
-                <a:spcPts val="2300"/>
+                <a:spcPts val="1700"/>
               </a:lnSpc>
               <a:spcBef>
                 <a:spcPts val="0"/>
@@ -32978,14 +32978,14 @@
               <a:buSzPct val="100000"/>
               <a:buFont typeface="Menlo"/>
               <a:buChar char="•"/>
-              <a:defRPr b="0" sz="900">
-                <a:solidFill>
-                  <a:srgbClr val="007400"/>
-                </a:solidFill>
-                <a:latin typeface="Menlo"/>
-                <a:ea typeface="Menlo"/>
-                <a:cs typeface="Menlo"/>
-                <a:sym typeface="Menlo"/>
+              <a:defRPr b="0" sz="1100">
+                <a:solidFill>
+                  <a:srgbClr val="5C2699"/>
+                </a:solidFill>
+                <a:latin typeface="Arial"/>
+                <a:ea typeface="Arial"/>
+                <a:cs typeface="Arial"/>
+                <a:sym typeface="Arial"/>
               </a:defRPr>
             </a:pPr>
             <a:r>
@@ -33038,8 +33038,8 @@
         </p:nvSpPr>
         <p:spPr>
           <a:xfrm>
-            <a:off x="614371" y="2348100"/>
-            <a:ext cx="4965463" cy="2199641"/>
+            <a:off x="614371" y="2273103"/>
+            <a:ext cx="4220850" cy="2668665"/>
           </a:xfrm>
           <a:prstGeom prst="rect">
             <a:avLst/>
@@ -33059,9 +33059,9 @@
           </a:bodyPr>
           <a:lstStyle/>
           <a:p>
-            <a:pPr marL="457200" indent="-317500" defTabSz="457200">
+            <a:pPr marL="527755" indent="-388055" defTabSz="457200">
               <a:lnSpc>
-                <a:spcPts val="2300"/>
+                <a:spcPts val="1700"/>
               </a:lnSpc>
               <a:spcBef>
                 <a:spcPts val="0"/>
@@ -33072,14 +33072,14 @@
               <a:buSzPct val="100000"/>
               <a:buFont typeface="Menlo"/>
               <a:buChar char="•"/>
-              <a:defRPr b="0" sz="900">
-                <a:solidFill>
-                  <a:srgbClr val="3F6E74"/>
-                </a:solidFill>
-                <a:latin typeface="Menlo"/>
-                <a:ea typeface="Menlo"/>
-                <a:cs typeface="Menlo"/>
-                <a:sym typeface="Menlo"/>
+              <a:defRPr b="0" sz="1100">
+                <a:solidFill>
+                  <a:srgbClr val="5C2699"/>
+                </a:solidFill>
+                <a:latin typeface="Arial"/>
+                <a:ea typeface="Arial"/>
+                <a:cs typeface="Arial"/>
+                <a:sym typeface="Arial"/>
               </a:defRPr>
             </a:pPr>
             <a:r>
@@ -33124,9 +33124,9 @@
             </a:endParaRPr>
           </a:p>
           <a:p>
-            <a:pPr marL="457200" indent="-317500" defTabSz="457200">
+            <a:pPr marL="527755" indent="-388055" defTabSz="457200">
               <a:lnSpc>
-                <a:spcPts val="2300"/>
+                <a:spcPts val="1700"/>
               </a:lnSpc>
               <a:spcBef>
                 <a:spcPts val="0"/>
@@ -33137,14 +33137,14 @@
               <a:buSzPct val="100000"/>
               <a:buFont typeface="Menlo"/>
               <a:buChar char="•"/>
-              <a:defRPr b="0" sz="900">
-                <a:solidFill>
-                  <a:srgbClr val="3F6E74"/>
-                </a:solidFill>
-                <a:latin typeface="Menlo"/>
-                <a:ea typeface="Menlo"/>
-                <a:cs typeface="Menlo"/>
-                <a:sym typeface="Menlo"/>
+              <a:defRPr b="0" sz="1100">
+                <a:solidFill>
+                  <a:srgbClr val="5C2699"/>
+                </a:solidFill>
+                <a:latin typeface="Arial"/>
+                <a:ea typeface="Arial"/>
+                <a:cs typeface="Arial"/>
+                <a:sym typeface="Arial"/>
               </a:defRPr>
             </a:pPr>
             <a:r>
@@ -33230,9 +33230,9 @@
             </a:endParaRPr>
           </a:p>
           <a:p>
-            <a:pPr marL="457200" indent="-317500" defTabSz="457200">
+            <a:pPr marL="527755" indent="-388055" defTabSz="457200">
               <a:lnSpc>
-                <a:spcPts val="2300"/>
+                <a:spcPts val="1700"/>
               </a:lnSpc>
               <a:spcBef>
                 <a:spcPts val="0"/>
@@ -33243,14 +33243,14 @@
               <a:buSzPct val="100000"/>
               <a:buFont typeface="Menlo"/>
               <a:buChar char="•"/>
-              <a:defRPr b="0" sz="900">
-                <a:solidFill>
-                  <a:srgbClr val="3F6E74"/>
-                </a:solidFill>
-                <a:latin typeface="Menlo"/>
-                <a:ea typeface="Menlo"/>
-                <a:cs typeface="Menlo"/>
-                <a:sym typeface="Menlo"/>
+              <a:defRPr b="0" sz="1100">
+                <a:solidFill>
+                  <a:srgbClr val="5C2699"/>
+                </a:solidFill>
+                <a:latin typeface="Arial"/>
+                <a:ea typeface="Arial"/>
+                <a:cs typeface="Arial"/>
+                <a:sym typeface="Arial"/>
               </a:defRPr>
             </a:pPr>
             <a:r>
@@ -33295,9 +33295,9 @@
             </a:endParaRPr>
           </a:p>
           <a:p>
-            <a:pPr marL="457200" indent="-317500" defTabSz="457200">
+            <a:pPr marL="527755" indent="-388055" defTabSz="457200">
               <a:lnSpc>
-                <a:spcPts val="2300"/>
+                <a:spcPts val="1700"/>
               </a:lnSpc>
               <a:spcBef>
                 <a:spcPts val="0"/>
@@ -33308,14 +33308,14 @@
               <a:buSzPct val="100000"/>
               <a:buFont typeface="Menlo"/>
               <a:buChar char="•"/>
-              <a:defRPr b="0" sz="900">
-                <a:solidFill>
-                  <a:srgbClr val="333333"/>
-                </a:solidFill>
-                <a:latin typeface="Menlo"/>
-                <a:ea typeface="Menlo"/>
-                <a:cs typeface="Menlo"/>
-                <a:sym typeface="Menlo"/>
+              <a:defRPr b="0" sz="1100">
+                <a:solidFill>
+                  <a:srgbClr val="5C2699"/>
+                </a:solidFill>
+                <a:latin typeface="Arial"/>
+                <a:ea typeface="Arial"/>
+                <a:cs typeface="Arial"/>
+                <a:sym typeface="Arial"/>
               </a:defRPr>
             </a:pPr>
             <a:r>
@@ -33345,9 +33345,9 @@
             </a:r>
           </a:p>
           <a:p>
-            <a:pPr marL="457200" indent="-317500" defTabSz="457200">
+            <a:pPr marL="527755" indent="-388055" defTabSz="457200">
               <a:lnSpc>
-                <a:spcPts val="2300"/>
+                <a:spcPts val="1700"/>
               </a:lnSpc>
               <a:spcBef>
                 <a:spcPts val="0"/>
@@ -33358,14 +33358,14 @@
               <a:buSzPct val="100000"/>
               <a:buFont typeface="Menlo"/>
               <a:buChar char="•"/>
-              <a:defRPr b="0" sz="900">
-                <a:solidFill>
-                  <a:srgbClr val="C41A16"/>
-                </a:solidFill>
-                <a:latin typeface="Menlo"/>
-                <a:ea typeface="Menlo"/>
-                <a:cs typeface="Menlo"/>
-                <a:sym typeface="Menlo"/>
+              <a:defRPr b="0" sz="1100">
+                <a:solidFill>
+                  <a:srgbClr val="5C2699"/>
+                </a:solidFill>
+                <a:latin typeface="Arial"/>
+                <a:ea typeface="Arial"/>
+                <a:cs typeface="Arial"/>
+                <a:sym typeface="Arial"/>
               </a:defRPr>
             </a:pPr>
             <a:r>
@@ -33410,9 +33410,9 @@
             </a:endParaRPr>
           </a:p>
           <a:p>
-            <a:pPr marL="457200" indent="-317500" defTabSz="457200">
+            <a:pPr marL="527755" indent="-388055" defTabSz="457200">
               <a:lnSpc>
-                <a:spcPts val="2300"/>
+                <a:spcPts val="1700"/>
               </a:lnSpc>
               <a:spcBef>
                 <a:spcPts val="0"/>
@@ -33423,14 +33423,14 @@
               <a:buSzPct val="100000"/>
               <a:buFont typeface="Menlo"/>
               <a:buChar char="•"/>
-              <a:defRPr b="0" sz="900">
-                <a:solidFill>
-                  <a:srgbClr val="333333"/>
-                </a:solidFill>
-                <a:latin typeface="Menlo"/>
-                <a:ea typeface="Menlo"/>
-                <a:cs typeface="Menlo"/>
-                <a:sym typeface="Menlo"/>
+              <a:defRPr b="0" sz="1100">
+                <a:solidFill>
+                  <a:srgbClr val="5C2699"/>
+                </a:solidFill>
+                <a:latin typeface="Arial"/>
+                <a:ea typeface="Arial"/>
+                <a:cs typeface="Arial"/>
+                <a:sym typeface="Arial"/>
               </a:defRPr>
             </a:pPr>
             <a:r>
@@ -33449,9 +33449,9 @@
             </a:r>
           </a:p>
           <a:p>
-            <a:pPr marL="457200" indent="-317500" defTabSz="457200">
+            <a:pPr marL="527755" indent="-388055" defTabSz="457200">
               <a:lnSpc>
-                <a:spcPts val="2300"/>
+                <a:spcPts val="1700"/>
               </a:lnSpc>
               <a:spcBef>
                 <a:spcPts val="0"/>
@@ -33462,14 +33462,14 @@
               <a:buSzPct val="100000"/>
               <a:buFont typeface="Menlo"/>
               <a:buChar char="•"/>
-              <a:defRPr b="0" sz="900">
-                <a:solidFill>
-                  <a:srgbClr val="C41A16"/>
-                </a:solidFill>
-                <a:latin typeface="Menlo"/>
-                <a:ea typeface="Menlo"/>
-                <a:cs typeface="Menlo"/>
-                <a:sym typeface="Menlo"/>
+              <a:defRPr b="0" sz="1100">
+                <a:solidFill>
+                  <a:srgbClr val="5C2699"/>
+                </a:solidFill>
+                <a:latin typeface="Arial"/>
+                <a:ea typeface="Arial"/>
+                <a:cs typeface="Arial"/>
+                <a:sym typeface="Arial"/>
               </a:defRPr>
             </a:pPr>
             <a:r>
@@ -33514,9 +33514,9 @@
             </a:endParaRPr>
           </a:p>
           <a:p>
-            <a:pPr marL="457200" indent="-317500" defTabSz="457200">
+            <a:pPr marL="527755" indent="-388055" defTabSz="457200">
               <a:lnSpc>
-                <a:spcPts val="2300"/>
+                <a:spcPts val="1700"/>
               </a:lnSpc>
               <a:spcBef>
                 <a:spcPts val="0"/>
@@ -33527,14 +33527,14 @@
               <a:buSzPct val="100000"/>
               <a:buFont typeface="Menlo"/>
               <a:buChar char="•"/>
-              <a:defRPr b="0" sz="900">
-                <a:solidFill>
-                  <a:srgbClr val="333333"/>
-                </a:solidFill>
-                <a:latin typeface="Menlo"/>
-                <a:ea typeface="Menlo"/>
-                <a:cs typeface="Menlo"/>
-                <a:sym typeface="Menlo"/>
+              <a:defRPr b="0" sz="1100">
+                <a:solidFill>
+                  <a:srgbClr val="5C2699"/>
+                </a:solidFill>
+                <a:latin typeface="Arial"/>
+                <a:ea typeface="Arial"/>
+                <a:cs typeface="Arial"/>
+                <a:sym typeface="Arial"/>
               </a:defRPr>
             </a:pPr>
             <a:r>
@@ -33542,9 +33542,9 @@
             </a:r>
           </a:p>
           <a:p>
-            <a:pPr marL="457200" indent="-317500" defTabSz="457200">
+            <a:pPr marL="527755" indent="-388055" defTabSz="457200">
               <a:lnSpc>
-                <a:spcPts val="2300"/>
+                <a:spcPts val="1700"/>
               </a:lnSpc>
               <a:spcBef>
                 <a:spcPts val="0"/>
@@ -33555,14 +33555,14 @@
               <a:buSzPct val="100000"/>
               <a:buFont typeface="Menlo"/>
               <a:buChar char="•"/>
-              <a:defRPr b="0" sz="900">
-                <a:solidFill>
-                  <a:srgbClr val="333333"/>
-                </a:solidFill>
-                <a:latin typeface="Menlo"/>
-                <a:ea typeface="Menlo"/>
-                <a:cs typeface="Menlo"/>
-                <a:sym typeface="Menlo"/>
+              <a:defRPr b="0" sz="1100">
+                <a:solidFill>
+                  <a:srgbClr val="5C2699"/>
+                </a:solidFill>
+                <a:latin typeface="Arial"/>
+                <a:ea typeface="Arial"/>
+                <a:cs typeface="Arial"/>
+                <a:sym typeface="Arial"/>
               </a:defRPr>
             </a:pPr>
             <a:r>
@@ -33581,9 +33581,9 @@
             </a:r>
           </a:p>
           <a:p>
-            <a:pPr marL="457200" indent="-317500" defTabSz="457200">
+            <a:pPr marL="527755" indent="-388055" defTabSz="457200">
               <a:lnSpc>
-                <a:spcPts val="2300"/>
+                <a:spcPts val="1700"/>
               </a:lnSpc>
               <a:spcBef>
                 <a:spcPts val="0"/>
@@ -33594,14 +33594,14 @@
               <a:buSzPct val="100000"/>
               <a:buFont typeface="Menlo"/>
               <a:buChar char="•"/>
-              <a:defRPr b="0" sz="900">
-                <a:solidFill>
-                  <a:srgbClr val="C41A16"/>
-                </a:solidFill>
-                <a:latin typeface="Menlo"/>
-                <a:ea typeface="Menlo"/>
-                <a:cs typeface="Menlo"/>
-                <a:sym typeface="Menlo"/>
+              <a:defRPr b="0" sz="1100">
+                <a:solidFill>
+                  <a:srgbClr val="5C2699"/>
+                </a:solidFill>
+                <a:latin typeface="Arial"/>
+                <a:ea typeface="Arial"/>
+                <a:cs typeface="Arial"/>
+                <a:sym typeface="Arial"/>
               </a:defRPr>
             </a:pPr>
             <a:r>
@@ -33673,9 +33673,9 @@
             </a:endParaRPr>
           </a:p>
           <a:p>
-            <a:pPr marL="457200" indent="-317500" defTabSz="457200">
+            <a:pPr marL="527755" indent="-388055" defTabSz="457200">
               <a:lnSpc>
-                <a:spcPts val="2300"/>
+                <a:spcPts val="1700"/>
               </a:lnSpc>
               <a:spcBef>
                 <a:spcPts val="0"/>
@@ -33686,14 +33686,14 @@
               <a:buSzPct val="100000"/>
               <a:buFont typeface="Menlo"/>
               <a:buChar char="•"/>
-              <a:defRPr b="0" sz="900">
-                <a:solidFill>
-                  <a:srgbClr val="333333"/>
-                </a:solidFill>
-                <a:latin typeface="Menlo"/>
-                <a:ea typeface="Menlo"/>
-                <a:cs typeface="Menlo"/>
-                <a:sym typeface="Menlo"/>
+              <a:defRPr b="0" sz="1100">
+                <a:solidFill>
+                  <a:srgbClr val="5C2699"/>
+                </a:solidFill>
+                <a:latin typeface="Arial"/>
+                <a:ea typeface="Arial"/>
+                <a:cs typeface="Arial"/>
+                <a:sym typeface="Arial"/>
               </a:defRPr>
             </a:pPr>
             <a:r>
@@ -33701,9 +33701,9 @@
             </a:r>
           </a:p>
           <a:p>
-            <a:pPr marL="457200" indent="-317500" defTabSz="457200">
+            <a:pPr marL="527755" indent="-388055" defTabSz="457200">
               <a:lnSpc>
-                <a:spcPts val="2300"/>
+                <a:spcPts val="1700"/>
               </a:lnSpc>
               <a:spcBef>
                 <a:spcPts val="0"/>
@@ -33714,24 +33714,19 @@
               <a:buSzPct val="100000"/>
               <a:buFont typeface="Menlo"/>
               <a:buChar char="•"/>
-              <a:defRPr b="0" sz="900">
-                <a:solidFill>
-                  <a:srgbClr val="007400"/>
-                </a:solidFill>
-                <a:latin typeface="Menlo"/>
-                <a:ea typeface="Menlo"/>
-                <a:cs typeface="Menlo"/>
-                <a:sym typeface="Menlo"/>
+              <a:defRPr b="0" sz="1100">
+                <a:solidFill>
+                  <a:srgbClr val="5C2699"/>
+                </a:solidFill>
+                <a:latin typeface="Arial"/>
+                <a:ea typeface="Arial"/>
+                <a:cs typeface="Arial"/>
+                <a:sym typeface="Arial"/>
               </a:defRPr>
             </a:pPr>
             <a:r>
               <a:t>// Prints "There isn't a planet at position 11"</a:t>
             </a:r>
-            <a:endParaRPr>
-              <a:solidFill>
-                <a:srgbClr val="333333"/>
-              </a:solidFill>
-            </a:endParaRPr>
           </a:p>
         </p:txBody>
       </p:sp>
@@ -34146,7 +34141,7 @@
         <p:spPr>
           <a:xfrm>
             <a:off x="576953" y="1101687"/>
-            <a:ext cx="3313917" cy="548641"/>
+            <a:ext cx="2977192" cy="725565"/>
           </a:xfrm>
           <a:prstGeom prst="rect">
             <a:avLst/>
@@ -34166,9 +34161,9 @@
           </a:bodyPr>
           <a:lstStyle/>
           <a:p>
-            <a:pPr marL="457200" indent="-317500" defTabSz="457200">
+            <a:pPr marL="527755" indent="-388055" defTabSz="457200">
               <a:lnSpc>
-                <a:spcPts val="2300"/>
+                <a:spcPts val="1700"/>
               </a:lnSpc>
               <a:spcBef>
                 <a:spcPts val="0"/>
@@ -34179,14 +34174,14 @@
               <a:buSzPct val="100000"/>
               <a:buFont typeface="Menlo"/>
               <a:buChar char="•"/>
-              <a:defRPr b="0" sz="900">
-                <a:solidFill>
-                  <a:srgbClr val="3F6E74"/>
-                </a:solidFill>
-                <a:latin typeface="Menlo"/>
-                <a:ea typeface="Menlo"/>
-                <a:cs typeface="Menlo"/>
-                <a:sym typeface="Menlo"/>
+              <a:defRPr b="0" sz="1100">
+                <a:solidFill>
+                  <a:srgbClr val="5C2699"/>
+                </a:solidFill>
+                <a:latin typeface="Arial"/>
+                <a:ea typeface="Arial"/>
+                <a:cs typeface="Arial"/>
+                <a:sym typeface="Arial"/>
               </a:defRPr>
             </a:pPr>
             <a:r>
@@ -34223,9 +34218,9 @@
             </a:endParaRPr>
           </a:p>
           <a:p>
-            <a:pPr marL="457200" indent="-317500" defTabSz="457200">
+            <a:pPr marL="527755" indent="-388055" defTabSz="457200">
               <a:lnSpc>
-                <a:spcPts val="2300"/>
+                <a:spcPts val="1700"/>
               </a:lnSpc>
               <a:spcBef>
                 <a:spcPts val="0"/>
@@ -34236,14 +34231,14 @@
               <a:buSzPct val="100000"/>
               <a:buFont typeface="Menlo"/>
               <a:buChar char="•"/>
-              <a:defRPr b="0" sz="900">
-                <a:solidFill>
-                  <a:srgbClr val="007400"/>
-                </a:solidFill>
-                <a:latin typeface="Menlo"/>
-                <a:ea typeface="Menlo"/>
-                <a:cs typeface="Menlo"/>
-                <a:sym typeface="Menlo"/>
+              <a:defRPr b="0" sz="1100">
+                <a:solidFill>
+                  <a:srgbClr val="5C2699"/>
+                </a:solidFill>
+                <a:latin typeface="Arial"/>
+                <a:ea typeface="Arial"/>
+                <a:cs typeface="Arial"/>
+                <a:sym typeface="Arial"/>
               </a:defRPr>
             </a:pPr>
             <a:r>
@@ -34264,9 +34259,9 @@
             </a:endParaRPr>
           </a:p>
           <a:p>
-            <a:pPr marL="457200" indent="-317500" defTabSz="457200">
+            <a:pPr marL="527755" indent="-388055" defTabSz="457200">
               <a:lnSpc>
-                <a:spcPts val="2300"/>
+                <a:spcPts val="1700"/>
               </a:lnSpc>
               <a:spcBef>
                 <a:spcPts val="0"/>
@@ -34277,14 +34272,14 @@
               <a:buSzPct val="100000"/>
               <a:buFont typeface="Menlo"/>
               <a:buChar char="•"/>
-              <a:defRPr b="0" sz="900">
-                <a:solidFill>
-                  <a:srgbClr val="333333"/>
-                </a:solidFill>
-                <a:latin typeface="Menlo"/>
-                <a:ea typeface="Menlo"/>
-                <a:cs typeface="Menlo"/>
-                <a:sym typeface="Menlo"/>
+              <a:defRPr b="0" sz="1100">
+                <a:solidFill>
+                  <a:srgbClr val="5C2699"/>
+                </a:solidFill>
+                <a:latin typeface="Arial"/>
+                <a:ea typeface="Arial"/>
+                <a:cs typeface="Arial"/>
+                <a:sym typeface="Arial"/>
               </a:defRPr>
             </a:pPr>
             <a:r>
@@ -34301,8 +34296,8 @@
         </p:nvSpPr>
         <p:spPr>
           <a:xfrm>
-            <a:off x="567599" y="1855579"/>
-            <a:ext cx="1937629" cy="1043941"/>
+            <a:off x="567599" y="1885117"/>
+            <a:ext cx="2052907" cy="1373266"/>
           </a:xfrm>
           <a:prstGeom prst="rect">
             <a:avLst/>
@@ -34322,9 +34317,9 @@
           </a:bodyPr>
           <a:lstStyle/>
           <a:p>
-            <a:pPr marL="457200" indent="-317500" defTabSz="457200">
+            <a:pPr marL="527755" indent="-388055" defTabSz="457200">
               <a:lnSpc>
-                <a:spcPts val="2300"/>
+                <a:spcPts val="1700"/>
               </a:lnSpc>
               <a:spcBef>
                 <a:spcPts val="0"/>
@@ -34335,14 +34330,14 @@
               <a:buSzPct val="100000"/>
               <a:buFont typeface="Menlo"/>
               <a:buChar char="•"/>
-              <a:defRPr b="0" sz="900">
-                <a:solidFill>
-                  <a:srgbClr val="3F6E74"/>
-                </a:solidFill>
-                <a:latin typeface="Menlo"/>
-                <a:ea typeface="Menlo"/>
-                <a:cs typeface="Menlo"/>
-                <a:sym typeface="Menlo"/>
+              <a:defRPr b="0" sz="1100">
+                <a:solidFill>
+                  <a:srgbClr val="5C2699"/>
+                </a:solidFill>
+                <a:latin typeface="Arial"/>
+                <a:ea typeface="Arial"/>
+                <a:cs typeface="Arial"/>
+                <a:sym typeface="Arial"/>
               </a:defRPr>
             </a:pPr>
             <a:r>
@@ -34379,9 +34374,9 @@
             </a:endParaRPr>
           </a:p>
           <a:p>
-            <a:pPr marL="457200" indent="-317500" defTabSz="457200">
+            <a:pPr marL="527755" indent="-388055" defTabSz="457200">
               <a:lnSpc>
-                <a:spcPts val="2300"/>
+                <a:spcPts val="1700"/>
               </a:lnSpc>
               <a:spcBef>
                 <a:spcPts val="0"/>
@@ -34392,14 +34387,14 @@
               <a:buSzPct val="100000"/>
               <a:buFont typeface="Menlo"/>
               <a:buChar char="•"/>
-              <a:defRPr b="0" sz="900">
-                <a:solidFill>
-                  <a:srgbClr val="333333"/>
-                </a:solidFill>
-                <a:latin typeface="Menlo"/>
-                <a:ea typeface="Menlo"/>
-                <a:cs typeface="Menlo"/>
-                <a:sym typeface="Menlo"/>
+              <a:defRPr b="0" sz="1100">
+                <a:solidFill>
+                  <a:srgbClr val="5C2699"/>
+                </a:solidFill>
+                <a:latin typeface="Arial"/>
+                <a:ea typeface="Arial"/>
+                <a:cs typeface="Arial"/>
+                <a:sym typeface="Arial"/>
               </a:defRPr>
             </a:pPr>
             <a:r>
@@ -34426,9 +34421,9 @@
             </a:r>
           </a:p>
           <a:p>
-            <a:pPr marL="457200" indent="-317500" defTabSz="457200">
+            <a:pPr marL="527755" indent="-388055" defTabSz="457200">
               <a:lnSpc>
-                <a:spcPts val="2300"/>
+                <a:spcPts val="1700"/>
               </a:lnSpc>
               <a:spcBef>
                 <a:spcPts val="0"/>
@@ -34439,14 +34434,14 @@
               <a:buSzPct val="100000"/>
               <a:buFont typeface="Menlo"/>
               <a:buChar char="•"/>
-              <a:defRPr b="0" sz="900">
-                <a:solidFill>
-                  <a:srgbClr val="333333"/>
-                </a:solidFill>
-                <a:latin typeface="Menlo"/>
-                <a:ea typeface="Menlo"/>
-                <a:cs typeface="Menlo"/>
-                <a:sym typeface="Menlo"/>
+              <a:defRPr b="0" sz="1100">
+                <a:solidFill>
+                  <a:srgbClr val="5C2699"/>
+                </a:solidFill>
+                <a:latin typeface="Arial"/>
+                <a:ea typeface="Arial"/>
+                <a:cs typeface="Arial"/>
+                <a:sym typeface="Arial"/>
               </a:defRPr>
             </a:pPr>
             <a:r>
@@ -34473,9 +34468,9 @@
             </a:r>
           </a:p>
           <a:p>
-            <a:pPr marL="457200" indent="-317500" defTabSz="457200">
+            <a:pPr marL="527755" indent="-388055" defTabSz="457200">
               <a:lnSpc>
-                <a:spcPts val="2300"/>
+                <a:spcPts val="1700"/>
               </a:lnSpc>
               <a:spcBef>
                 <a:spcPts val="0"/>
@@ -34486,14 +34481,14 @@
               <a:buSzPct val="100000"/>
               <a:buFont typeface="Menlo"/>
               <a:buChar char="•"/>
-              <a:defRPr b="0" sz="900">
-                <a:solidFill>
-                  <a:srgbClr val="333333"/>
-                </a:solidFill>
-                <a:latin typeface="Menlo"/>
-                <a:ea typeface="Menlo"/>
-                <a:cs typeface="Menlo"/>
-                <a:sym typeface="Menlo"/>
+              <a:defRPr b="0" sz="1100">
+                <a:solidFill>
+                  <a:srgbClr val="5C2699"/>
+                </a:solidFill>
+                <a:latin typeface="Arial"/>
+                <a:ea typeface="Arial"/>
+                <a:cs typeface="Arial"/>
+                <a:sym typeface="Arial"/>
               </a:defRPr>
             </a:pPr>
             <a:r>
@@ -34520,9 +34515,9 @@
             </a:r>
           </a:p>
           <a:p>
-            <a:pPr marL="457200" indent="-317500" defTabSz="457200">
+            <a:pPr marL="527755" indent="-388055" defTabSz="457200">
               <a:lnSpc>
-                <a:spcPts val="2300"/>
+                <a:spcPts val="1700"/>
               </a:lnSpc>
               <a:spcBef>
                 <a:spcPts val="0"/>
@@ -34533,14 +34528,14 @@
               <a:buSzPct val="100000"/>
               <a:buFont typeface="Menlo"/>
               <a:buChar char="•"/>
-              <a:defRPr b="0" sz="900">
-                <a:solidFill>
-                  <a:srgbClr val="333333"/>
-                </a:solidFill>
-                <a:latin typeface="Menlo"/>
-                <a:ea typeface="Menlo"/>
-                <a:cs typeface="Menlo"/>
-                <a:sym typeface="Menlo"/>
+              <a:defRPr b="0" sz="1100">
+                <a:solidFill>
+                  <a:srgbClr val="5C2699"/>
+                </a:solidFill>
+                <a:latin typeface="Arial"/>
+                <a:ea typeface="Arial"/>
+                <a:cs typeface="Arial"/>
+                <a:sym typeface="Arial"/>
               </a:defRPr>
             </a:pPr>
             <a:r>
@@ -34567,9 +34562,9 @@
             </a:r>
           </a:p>
           <a:p>
-            <a:pPr marL="457200" indent="-317500" defTabSz="457200">
+            <a:pPr marL="527755" indent="-388055" defTabSz="457200">
               <a:lnSpc>
-                <a:spcPts val="2300"/>
+                <a:spcPts val="1700"/>
               </a:lnSpc>
               <a:spcBef>
                 <a:spcPts val="0"/>
@@ -34580,14 +34575,14 @@
               <a:buSzPct val="100000"/>
               <a:buFont typeface="Menlo"/>
               <a:buChar char="•"/>
-              <a:defRPr b="0" sz="900">
-                <a:solidFill>
-                  <a:srgbClr val="333333"/>
-                </a:solidFill>
-                <a:latin typeface="Menlo"/>
-                <a:ea typeface="Menlo"/>
-                <a:cs typeface="Menlo"/>
-                <a:sym typeface="Menlo"/>
+              <a:defRPr b="0" sz="1100">
+                <a:solidFill>
+                  <a:srgbClr val="5C2699"/>
+                </a:solidFill>
+                <a:latin typeface="Arial"/>
+                <a:ea typeface="Arial"/>
+                <a:cs typeface="Arial"/>
+                <a:sym typeface="Arial"/>
               </a:defRPr>
             </a:pPr>
             <a:r>
@@ -34604,8 +34599,8 @@
         </p:nvSpPr>
         <p:spPr>
           <a:xfrm>
-            <a:off x="567599" y="3020211"/>
-            <a:ext cx="5447163" cy="548641"/>
+            <a:off x="548890" y="3360931"/>
+            <a:ext cx="4892201" cy="725565"/>
           </a:xfrm>
           <a:prstGeom prst="rect">
             <a:avLst/>
@@ -34625,9 +34620,9 @@
           </a:bodyPr>
           <a:lstStyle/>
           <a:p>
-            <a:pPr marL="457200" indent="-317500" defTabSz="457200">
+            <a:pPr marL="527755" indent="-388055" defTabSz="457200">
               <a:lnSpc>
-                <a:spcPts val="2300"/>
+                <a:spcPts val="1700"/>
               </a:lnSpc>
               <a:spcBef>
                 <a:spcPts val="0"/>
@@ -34638,14 +34633,14 @@
               <a:buSzPct val="100000"/>
               <a:buFont typeface="Menlo"/>
               <a:buChar char="•"/>
-              <a:defRPr b="0" sz="900">
-                <a:solidFill>
-                  <a:srgbClr val="AA0D91"/>
-                </a:solidFill>
-                <a:latin typeface="Menlo"/>
-                <a:ea typeface="Menlo"/>
-                <a:cs typeface="Menlo"/>
-                <a:sym typeface="Menlo"/>
+              <a:defRPr b="0" sz="1100">
+                <a:solidFill>
+                  <a:srgbClr val="5C2699"/>
+                </a:solidFill>
+                <a:latin typeface="Arial"/>
+                <a:ea typeface="Arial"/>
+                <a:cs typeface="Arial"/>
+                <a:sym typeface="Arial"/>
               </a:defRPr>
             </a:pPr>
             <a:r>
@@ -34682,9 +34677,9 @@
             </a:endParaRPr>
           </a:p>
           <a:p>
-            <a:pPr marL="457200" indent="-317500" defTabSz="457200">
+            <a:pPr marL="527755" indent="-388055" defTabSz="457200">
               <a:lnSpc>
-                <a:spcPts val="2300"/>
+                <a:spcPts val="1700"/>
               </a:lnSpc>
               <a:spcBef>
                 <a:spcPts val="0"/>
@@ -34695,14 +34690,14 @@
               <a:buSzPct val="100000"/>
               <a:buFont typeface="Menlo"/>
               <a:buChar char="•"/>
-              <a:defRPr b="0" sz="900">
-                <a:solidFill>
-                  <a:srgbClr val="333333"/>
-                </a:solidFill>
-                <a:latin typeface="Menlo"/>
-                <a:ea typeface="Menlo"/>
-                <a:cs typeface="Menlo"/>
-                <a:sym typeface="Menlo"/>
+              <a:defRPr b="0" sz="1100">
+                <a:solidFill>
+                  <a:srgbClr val="5C2699"/>
+                </a:solidFill>
+                <a:latin typeface="Arial"/>
+                <a:ea typeface="Arial"/>
+                <a:cs typeface="Arial"/>
+                <a:sym typeface="Arial"/>
               </a:defRPr>
             </a:pPr>
             <a:r>
@@ -34806,9 +34801,9 @@
             </a:r>
           </a:p>
           <a:p>
-            <a:pPr marL="457200" indent="-317500" defTabSz="457200">
+            <a:pPr marL="527755" indent="-388055" defTabSz="457200">
               <a:lnSpc>
-                <a:spcPts val="2300"/>
+                <a:spcPts val="1700"/>
               </a:lnSpc>
               <a:spcBef>
                 <a:spcPts val="0"/>
@@ -34819,14 +34814,14 @@
               <a:buSzPct val="100000"/>
               <a:buFont typeface="Menlo"/>
               <a:buChar char="•"/>
-              <a:defRPr b="0" sz="900">
-                <a:solidFill>
-                  <a:srgbClr val="333333"/>
-                </a:solidFill>
-                <a:latin typeface="Menlo"/>
-                <a:ea typeface="Menlo"/>
-                <a:cs typeface="Menlo"/>
-                <a:sym typeface="Menlo"/>
+              <a:defRPr b="0" sz="1100">
+                <a:solidFill>
+                  <a:srgbClr val="5C2699"/>
+                </a:solidFill>
+                <a:latin typeface="Arial"/>
+                <a:ea typeface="Arial"/>
+                <a:cs typeface="Arial"/>
+                <a:sym typeface="Arial"/>
               </a:defRPr>
             </a:pPr>
             <a:r>
@@ -34843,8 +34838,8 @@
         </p:nvSpPr>
         <p:spPr>
           <a:xfrm>
-            <a:off x="548890" y="3762812"/>
-            <a:ext cx="3245102" cy="218441"/>
+            <a:off x="544212" y="4116983"/>
+            <a:ext cx="3268052" cy="293765"/>
           </a:xfrm>
           <a:prstGeom prst="rect">
             <a:avLst/>
@@ -34864,9 +34859,9 @@
           </a:bodyPr>
           <a:lstStyle/>
           <a:p>
-            <a:pPr marL="457200" indent="-317500" defTabSz="457200">
+            <a:pPr marL="527755" indent="-388055" defTabSz="457200">
               <a:lnSpc>
-                <a:spcPts val="2300"/>
+                <a:spcPts val="1700"/>
               </a:lnSpc>
               <a:spcBef>
                 <a:spcPts val="0"/>
@@ -34877,14 +34872,14 @@
               <a:buSzPct val="100000"/>
               <a:buFont typeface="Menlo"/>
               <a:buChar char="•"/>
-              <a:defRPr b="0" sz="900">
-                <a:solidFill>
-                  <a:srgbClr val="3F6E74"/>
-                </a:solidFill>
-                <a:latin typeface="Menlo"/>
-                <a:ea typeface="Menlo"/>
-                <a:cs typeface="Menlo"/>
-                <a:sym typeface="Menlo"/>
+              <a:defRPr b="0" sz="1100">
+                <a:solidFill>
+                  <a:srgbClr val="5C2699"/>
+                </a:solidFill>
+                <a:latin typeface="Arial"/>
+                <a:ea typeface="Arial"/>
+                <a:cs typeface="Arial"/>
+                <a:sym typeface="Arial"/>
               </a:defRPr>
             </a:pPr>
             <a:r>
@@ -34939,8 +34934,8 @@
         </p:nvSpPr>
         <p:spPr>
           <a:xfrm>
-            <a:off x="548890" y="4066833"/>
-            <a:ext cx="2144072" cy="218441"/>
+            <a:off x="542292" y="4395604"/>
+            <a:ext cx="2103521" cy="293765"/>
           </a:xfrm>
           <a:prstGeom prst="rect">
             <a:avLst/>
@@ -34960,9 +34955,9 @@
           </a:bodyPr>
           <a:lstStyle/>
           <a:p>
-            <a:pPr marL="457200" indent="-317500" defTabSz="457200">
+            <a:pPr marL="527755" indent="-388055" defTabSz="457200">
               <a:lnSpc>
-                <a:spcPts val="2300"/>
+                <a:spcPts val="1700"/>
               </a:lnSpc>
               <a:spcBef>
                 <a:spcPts val="0"/>
@@ -34973,14 +34968,14 @@
               <a:buSzPct val="100000"/>
               <a:buFont typeface="Menlo"/>
               <a:buChar char="•"/>
-              <a:defRPr b="0" sz="900">
-                <a:solidFill>
-                  <a:srgbClr val="3F6E74"/>
-                </a:solidFill>
-                <a:latin typeface="Menlo"/>
-                <a:ea typeface="Menlo"/>
-                <a:cs typeface="Menlo"/>
-                <a:sym typeface="Menlo"/>
+              <a:defRPr b="0" sz="1100">
+                <a:solidFill>
+                  <a:srgbClr val="5C2699"/>
+                </a:solidFill>
+                <a:latin typeface="Arial"/>
+                <a:ea typeface="Arial"/>
+                <a:cs typeface="Arial"/>
+                <a:sym typeface="Arial"/>
               </a:defRPr>
             </a:pPr>
             <a:r>
@@ -35140,7 +35135,7 @@
         <p:spPr>
           <a:xfrm>
             <a:off x="576953" y="1101687"/>
-            <a:ext cx="3451546" cy="2034541"/>
+            <a:ext cx="3014095" cy="2668665"/>
           </a:xfrm>
           <a:prstGeom prst="rect">
             <a:avLst/>
@@ -35160,9 +35155,9 @@
           </a:bodyPr>
           <a:lstStyle/>
           <a:p>
-            <a:pPr marL="457200" indent="-317500" defTabSz="457200">
+            <a:pPr marL="527755" indent="-388055" defTabSz="457200">
               <a:lnSpc>
-                <a:spcPts val="2300"/>
+                <a:spcPts val="1700"/>
               </a:lnSpc>
               <a:spcBef>
                 <a:spcPts val="0"/>
@@ -35173,14 +35168,14 @@
               <a:buSzPct val="100000"/>
               <a:buFont typeface="Menlo"/>
               <a:buChar char="•"/>
-              <a:defRPr b="0" sz="900">
-                <a:solidFill>
-                  <a:srgbClr val="3F6E74"/>
-                </a:solidFill>
-                <a:latin typeface="Menlo"/>
-                <a:ea typeface="Menlo"/>
-                <a:cs typeface="Menlo"/>
-                <a:sym typeface="Menlo"/>
+              <a:defRPr b="0" sz="1100">
+                <a:solidFill>
+                  <a:srgbClr val="5C2699"/>
+                </a:solidFill>
+                <a:latin typeface="Arial"/>
+                <a:ea typeface="Arial"/>
+                <a:cs typeface="Arial"/>
+                <a:sym typeface="Arial"/>
               </a:defRPr>
             </a:pPr>
             <a:r>
@@ -35204,9 +35199,9 @@
             </a:endParaRPr>
           </a:p>
           <a:p>
-            <a:pPr marL="457200" indent="-317500" defTabSz="457200">
+            <a:pPr marL="527755" indent="-388055" defTabSz="457200">
               <a:lnSpc>
-                <a:spcPts val="2300"/>
+                <a:spcPts val="1700"/>
               </a:lnSpc>
               <a:spcBef>
                 <a:spcPts val="0"/>
@@ -35217,14 +35212,14 @@
               <a:buSzPct val="100000"/>
               <a:buFont typeface="Menlo"/>
               <a:buChar char="•"/>
-              <a:defRPr b="0" sz="900">
-                <a:solidFill>
-                  <a:srgbClr val="3F6E74"/>
-                </a:solidFill>
-                <a:latin typeface="Menlo"/>
-                <a:ea typeface="Menlo"/>
-                <a:cs typeface="Menlo"/>
-                <a:sym typeface="Menlo"/>
+              <a:defRPr b="0" sz="1100">
+                <a:solidFill>
+                  <a:srgbClr val="5C2699"/>
+                </a:solidFill>
+                <a:latin typeface="Arial"/>
+                <a:ea typeface="Arial"/>
+                <a:cs typeface="Arial"/>
+                <a:sym typeface="Arial"/>
               </a:defRPr>
             </a:pPr>
             <a:r>
@@ -35261,9 +35256,9 @@
             </a:endParaRPr>
           </a:p>
           <a:p>
-            <a:pPr marL="457200" indent="-317500" defTabSz="457200">
+            <a:pPr marL="527755" indent="-388055" defTabSz="457200">
               <a:lnSpc>
-                <a:spcPts val="2300"/>
+                <a:spcPts val="1700"/>
               </a:lnSpc>
               <a:spcBef>
                 <a:spcPts val="0"/>
@@ -35274,14 +35269,14 @@
               <a:buSzPct val="100000"/>
               <a:buFont typeface="Menlo"/>
               <a:buChar char="•"/>
-              <a:defRPr b="0" sz="900">
-                <a:solidFill>
-                  <a:srgbClr val="AA0D91"/>
-                </a:solidFill>
-                <a:latin typeface="Menlo"/>
-                <a:ea typeface="Menlo"/>
-                <a:cs typeface="Menlo"/>
-                <a:sym typeface="Menlo"/>
+              <a:defRPr b="0" sz="1100">
+                <a:solidFill>
+                  <a:srgbClr val="5C2699"/>
+                </a:solidFill>
+                <a:latin typeface="Arial"/>
+                <a:ea typeface="Arial"/>
+                <a:cs typeface="Arial"/>
+                <a:sym typeface="Arial"/>
               </a:defRPr>
             </a:pPr>
             <a:r>
@@ -35318,9 +35313,9 @@
             </a:endParaRPr>
           </a:p>
           <a:p>
-            <a:pPr marL="457200" indent="-317500" defTabSz="457200">
+            <a:pPr marL="527755" indent="-388055" defTabSz="457200">
               <a:lnSpc>
-                <a:spcPts val="2300"/>
+                <a:spcPts val="1700"/>
               </a:lnSpc>
               <a:spcBef>
                 <a:spcPts val="0"/>
@@ -35331,14 +35326,14 @@
               <a:buSzPct val="100000"/>
               <a:buFont typeface="Menlo"/>
               <a:buChar char="•"/>
-              <a:defRPr b="0" sz="900">
-                <a:solidFill>
-                  <a:srgbClr val="C41A16"/>
-                </a:solidFill>
-                <a:latin typeface="Menlo"/>
-                <a:ea typeface="Menlo"/>
-                <a:cs typeface="Menlo"/>
-                <a:sym typeface="Menlo"/>
+              <a:defRPr b="0" sz="1100">
+                <a:solidFill>
+                  <a:srgbClr val="5C2699"/>
+                </a:solidFill>
+                <a:latin typeface="Arial"/>
+                <a:ea typeface="Arial"/>
+                <a:cs typeface="Arial"/>
+                <a:sym typeface="Arial"/>
               </a:defRPr>
             </a:pPr>
             <a:r>
@@ -35383,9 +35378,9 @@
             </a:endParaRPr>
           </a:p>
           <a:p>
-            <a:pPr marL="457200" indent="-317500" defTabSz="457200">
+            <a:pPr marL="527755" indent="-388055" defTabSz="457200">
               <a:lnSpc>
-                <a:spcPts val="2300"/>
+                <a:spcPts val="1700"/>
               </a:lnSpc>
               <a:spcBef>
                 <a:spcPts val="0"/>
@@ -35396,14 +35391,14 @@
               <a:buSzPct val="100000"/>
               <a:buFont typeface="Menlo"/>
               <a:buChar char="•"/>
-              <a:defRPr b="0" sz="900">
-                <a:solidFill>
-                  <a:srgbClr val="AA0D91"/>
-                </a:solidFill>
-                <a:latin typeface="Menlo"/>
-                <a:ea typeface="Menlo"/>
-                <a:cs typeface="Menlo"/>
-                <a:sym typeface="Menlo"/>
+              <a:defRPr b="0" sz="1100">
+                <a:solidFill>
+                  <a:srgbClr val="5C2699"/>
+                </a:solidFill>
+                <a:latin typeface="Arial"/>
+                <a:ea typeface="Arial"/>
+                <a:cs typeface="Arial"/>
+                <a:sym typeface="Arial"/>
               </a:defRPr>
             </a:pPr>
             <a:r>
@@ -35440,9 +35435,9 @@
             </a:endParaRPr>
           </a:p>
           <a:p>
-            <a:pPr marL="457200" indent="-317500" defTabSz="457200">
+            <a:pPr marL="527755" indent="-388055" defTabSz="457200">
               <a:lnSpc>
-                <a:spcPts val="2300"/>
+                <a:spcPts val="1700"/>
               </a:lnSpc>
               <a:spcBef>
                 <a:spcPts val="0"/>
@@ -35453,14 +35448,14 @@
               <a:buSzPct val="100000"/>
               <a:buFont typeface="Menlo"/>
               <a:buChar char="•"/>
-              <a:defRPr b="0" sz="900">
-                <a:solidFill>
-                  <a:srgbClr val="C41A16"/>
-                </a:solidFill>
-                <a:latin typeface="Menlo"/>
-                <a:ea typeface="Menlo"/>
-                <a:cs typeface="Menlo"/>
-                <a:sym typeface="Menlo"/>
+              <a:defRPr b="0" sz="1100">
+                <a:solidFill>
+                  <a:srgbClr val="5C2699"/>
+                </a:solidFill>
+                <a:latin typeface="Arial"/>
+                <a:ea typeface="Arial"/>
+                <a:cs typeface="Arial"/>
+                <a:sym typeface="Arial"/>
               </a:defRPr>
             </a:pPr>
             <a:r>
@@ -35505,9 +35500,9 @@
             </a:endParaRPr>
           </a:p>
           <a:p>
-            <a:pPr marL="457200" indent="-317500" defTabSz="457200">
+            <a:pPr marL="527755" indent="-388055" defTabSz="457200">
               <a:lnSpc>
-                <a:spcPts val="2300"/>
+                <a:spcPts val="1700"/>
               </a:lnSpc>
               <a:spcBef>
                 <a:spcPts val="0"/>
@@ -35518,14 +35513,14 @@
               <a:buSzPct val="100000"/>
               <a:buFont typeface="Menlo"/>
               <a:buChar char="•"/>
-              <a:defRPr b="0" sz="900">
-                <a:solidFill>
-                  <a:srgbClr val="AA0D91"/>
-                </a:solidFill>
-                <a:latin typeface="Menlo"/>
-                <a:ea typeface="Menlo"/>
-                <a:cs typeface="Menlo"/>
-                <a:sym typeface="Menlo"/>
+              <a:defRPr b="0" sz="1100">
+                <a:solidFill>
+                  <a:srgbClr val="5C2699"/>
+                </a:solidFill>
+                <a:latin typeface="Arial"/>
+                <a:ea typeface="Arial"/>
+                <a:cs typeface="Arial"/>
+                <a:sym typeface="Arial"/>
               </a:defRPr>
             </a:pPr>
             <a:r>
@@ -35562,9 +35557,9 @@
             </a:endParaRPr>
           </a:p>
           <a:p>
-            <a:pPr marL="457200" indent="-317500" defTabSz="457200">
+            <a:pPr marL="527755" indent="-388055" defTabSz="457200">
               <a:lnSpc>
-                <a:spcPts val="2300"/>
+                <a:spcPts val="1700"/>
               </a:lnSpc>
               <a:spcBef>
                 <a:spcPts val="0"/>
@@ -35575,14 +35570,14 @@
               <a:buSzPct val="100000"/>
               <a:buFont typeface="Menlo"/>
               <a:buChar char="•"/>
-              <a:defRPr b="0" sz="900">
-                <a:solidFill>
-                  <a:srgbClr val="C41A16"/>
-                </a:solidFill>
-                <a:latin typeface="Menlo"/>
-                <a:ea typeface="Menlo"/>
-                <a:cs typeface="Menlo"/>
-                <a:sym typeface="Menlo"/>
+              <a:defRPr b="0" sz="1100">
+                <a:solidFill>
+                  <a:srgbClr val="5C2699"/>
+                </a:solidFill>
+                <a:latin typeface="Arial"/>
+                <a:ea typeface="Arial"/>
+                <a:cs typeface="Arial"/>
+                <a:sym typeface="Arial"/>
               </a:defRPr>
             </a:pPr>
             <a:r>
@@ -35627,9 +35622,9 @@
             </a:endParaRPr>
           </a:p>
           <a:p>
-            <a:pPr marL="457200" indent="-317500" defTabSz="457200">
+            <a:pPr marL="527755" indent="-388055" defTabSz="457200">
               <a:lnSpc>
-                <a:spcPts val="2300"/>
+                <a:spcPts val="1700"/>
               </a:lnSpc>
               <a:spcBef>
                 <a:spcPts val="0"/>
@@ -35640,14 +35635,14 @@
               <a:buSzPct val="100000"/>
               <a:buFont typeface="Menlo"/>
               <a:buChar char="•"/>
-              <a:defRPr b="0" sz="900">
-                <a:solidFill>
-                  <a:srgbClr val="AA0D91"/>
-                </a:solidFill>
-                <a:latin typeface="Menlo"/>
-                <a:ea typeface="Menlo"/>
-                <a:cs typeface="Menlo"/>
-                <a:sym typeface="Menlo"/>
+              <a:defRPr b="0" sz="1100">
+                <a:solidFill>
+                  <a:srgbClr val="5C2699"/>
+                </a:solidFill>
+                <a:latin typeface="Arial"/>
+                <a:ea typeface="Arial"/>
+                <a:cs typeface="Arial"/>
+                <a:sym typeface="Arial"/>
               </a:defRPr>
             </a:pPr>
             <a:r>
@@ -35684,9 +35679,9 @@
             </a:endParaRPr>
           </a:p>
           <a:p>
-            <a:pPr marL="457200" indent="-317500" defTabSz="457200">
+            <a:pPr marL="527755" indent="-388055" defTabSz="457200">
               <a:lnSpc>
-                <a:spcPts val="2300"/>
+                <a:spcPts val="1700"/>
               </a:lnSpc>
               <a:spcBef>
                 <a:spcPts val="0"/>
@@ -35697,14 +35692,14 @@
               <a:buSzPct val="100000"/>
               <a:buFont typeface="Menlo"/>
               <a:buChar char="•"/>
-              <a:defRPr b="0" sz="900">
-                <a:solidFill>
-                  <a:srgbClr val="C41A16"/>
-                </a:solidFill>
-                <a:latin typeface="Menlo"/>
-                <a:ea typeface="Menlo"/>
-                <a:cs typeface="Menlo"/>
-                <a:sym typeface="Menlo"/>
+              <a:defRPr b="0" sz="1100">
+                <a:solidFill>
+                  <a:srgbClr val="5C2699"/>
+                </a:solidFill>
+                <a:latin typeface="Arial"/>
+                <a:ea typeface="Arial"/>
+                <a:cs typeface="Arial"/>
+                <a:sym typeface="Arial"/>
               </a:defRPr>
             </a:pPr>
             <a:r>
@@ -35749,9 +35744,9 @@
             </a:endParaRPr>
           </a:p>
           <a:p>
-            <a:pPr marL="457200" indent="-317500" defTabSz="457200">
+            <a:pPr marL="527755" indent="-388055" defTabSz="457200">
               <a:lnSpc>
-                <a:spcPts val="2300"/>
+                <a:spcPts val="1700"/>
               </a:lnSpc>
               <a:spcBef>
                 <a:spcPts val="0"/>
@@ -35762,14 +35757,14 @@
               <a:buSzPct val="100000"/>
               <a:buFont typeface="Menlo"/>
               <a:buChar char="•"/>
-              <a:defRPr b="0" sz="900">
-                <a:solidFill>
-                  <a:srgbClr val="333333"/>
-                </a:solidFill>
-                <a:latin typeface="Menlo"/>
-                <a:ea typeface="Menlo"/>
-                <a:cs typeface="Menlo"/>
-                <a:sym typeface="Menlo"/>
+              <a:defRPr b="0" sz="1100">
+                <a:solidFill>
+                  <a:srgbClr val="5C2699"/>
+                </a:solidFill>
+                <a:latin typeface="Arial"/>
+                <a:ea typeface="Arial"/>
+                <a:cs typeface="Arial"/>
+                <a:sym typeface="Arial"/>
               </a:defRPr>
             </a:pPr>
             <a:r>
@@ -35777,9 +35772,9 @@
             </a:r>
           </a:p>
           <a:p>
-            <a:pPr marL="457200" indent="-317500" defTabSz="457200">
+            <a:pPr marL="527755" indent="-388055" defTabSz="457200">
               <a:lnSpc>
-                <a:spcPts val="2300"/>
+                <a:spcPts val="1700"/>
               </a:lnSpc>
               <a:spcBef>
                 <a:spcPts val="0"/>
@@ -35790,14 +35785,14 @@
               <a:buSzPct val="100000"/>
               <a:buFont typeface="Menlo"/>
               <a:buChar char="•"/>
-              <a:defRPr b="0" sz="900">
-                <a:solidFill>
-                  <a:srgbClr val="007400"/>
-                </a:solidFill>
-                <a:latin typeface="Menlo"/>
-                <a:ea typeface="Menlo"/>
-                <a:cs typeface="Menlo"/>
-                <a:sym typeface="Menlo"/>
+              <a:defRPr b="0" sz="1100">
+                <a:solidFill>
+                  <a:srgbClr val="5C2699"/>
+                </a:solidFill>
+                <a:latin typeface="Arial"/>
+                <a:ea typeface="Arial"/>
+                <a:cs typeface="Arial"/>
+                <a:sym typeface="Arial"/>
               </a:defRPr>
             </a:pPr>
             <a:r>
@@ -35815,7 +35810,7 @@
         <p:spPr>
           <a:xfrm>
             <a:off x="4575992" y="1101687"/>
-            <a:ext cx="3382731" cy="1539241"/>
+            <a:ext cx="3037151" cy="2020965"/>
           </a:xfrm>
           <a:prstGeom prst="rect">
             <a:avLst/>
@@ -35835,9 +35830,9 @@
           </a:bodyPr>
           <a:lstStyle/>
           <a:p>
-            <a:pPr marL="457200" indent="-317500" defTabSz="457200">
+            <a:pPr marL="527755" indent="-388055" defTabSz="457200">
               <a:lnSpc>
-                <a:spcPts val="2300"/>
+                <a:spcPts val="1700"/>
               </a:lnSpc>
               <a:spcBef>
                 <a:spcPts val="0"/>
@@ -35848,14 +35843,14 @@
               <a:buSzPct val="100000"/>
               <a:buFont typeface="Menlo"/>
               <a:buChar char="•"/>
-              <a:defRPr b="0" sz="900">
-                <a:solidFill>
-                  <a:srgbClr val="3F6E74"/>
-                </a:solidFill>
-                <a:latin typeface="Menlo"/>
-                <a:ea typeface="Menlo"/>
-                <a:cs typeface="Menlo"/>
-                <a:sym typeface="Menlo"/>
+              <a:defRPr b="0" sz="1100">
+                <a:solidFill>
+                  <a:srgbClr val="5C2699"/>
+                </a:solidFill>
+                <a:latin typeface="Arial"/>
+                <a:ea typeface="Arial"/>
+                <a:cs typeface="Arial"/>
+                <a:sym typeface="Arial"/>
               </a:defRPr>
             </a:pPr>
             <a:r>
@@ -35906,9 +35901,9 @@
             </a:endParaRPr>
           </a:p>
           <a:p>
-            <a:pPr marL="457200" indent="-317500" defTabSz="457200">
+            <a:pPr marL="527755" indent="-388055" defTabSz="457200">
               <a:lnSpc>
-                <a:spcPts val="2300"/>
+                <a:spcPts val="1700"/>
               </a:lnSpc>
               <a:spcBef>
                 <a:spcPts val="0"/>
@@ -35919,14 +35914,14 @@
               <a:buSzPct val="100000"/>
               <a:buFont typeface="Menlo"/>
               <a:buChar char="•"/>
-              <a:defRPr b="0" sz="900">
-                <a:solidFill>
-                  <a:srgbClr val="3F6E74"/>
-                </a:solidFill>
-                <a:latin typeface="Menlo"/>
-                <a:ea typeface="Menlo"/>
-                <a:cs typeface="Menlo"/>
-                <a:sym typeface="Menlo"/>
+              <a:defRPr b="0" sz="1100">
+                <a:solidFill>
+                  <a:srgbClr val="5C2699"/>
+                </a:solidFill>
+                <a:latin typeface="Arial"/>
+                <a:ea typeface="Arial"/>
+                <a:cs typeface="Arial"/>
+                <a:sym typeface="Arial"/>
               </a:defRPr>
             </a:pPr>
             <a:r>
@@ -35963,9 +35958,9 @@
             </a:endParaRPr>
           </a:p>
           <a:p>
-            <a:pPr marL="457200" indent="-317500" defTabSz="457200">
+            <a:pPr marL="527755" indent="-388055" defTabSz="457200">
               <a:lnSpc>
-                <a:spcPts val="2300"/>
+                <a:spcPts val="1700"/>
               </a:lnSpc>
               <a:spcBef>
                 <a:spcPts val="0"/>
@@ -35976,14 +35971,14 @@
               <a:buSzPct val="100000"/>
               <a:buFont typeface="Menlo"/>
               <a:buChar char="•"/>
-              <a:defRPr b="0" sz="900">
-                <a:solidFill>
-                  <a:srgbClr val="AA0D91"/>
-                </a:solidFill>
-                <a:latin typeface="Menlo"/>
-                <a:ea typeface="Menlo"/>
-                <a:cs typeface="Menlo"/>
-                <a:sym typeface="Menlo"/>
+              <a:defRPr b="0" sz="1100">
+                <a:solidFill>
+                  <a:srgbClr val="5C2699"/>
+                </a:solidFill>
+                <a:latin typeface="Arial"/>
+                <a:ea typeface="Arial"/>
+                <a:cs typeface="Arial"/>
+                <a:sym typeface="Arial"/>
               </a:defRPr>
             </a:pPr>
             <a:r>
@@ -36020,9 +36015,9 @@
             </a:endParaRPr>
           </a:p>
           <a:p>
-            <a:pPr marL="457200" indent="-317500" defTabSz="457200">
+            <a:pPr marL="527755" indent="-388055" defTabSz="457200">
               <a:lnSpc>
-                <a:spcPts val="2300"/>
+                <a:spcPts val="1700"/>
               </a:lnSpc>
               <a:spcBef>
                 <a:spcPts val="0"/>
@@ -36033,14 +36028,14 @@
               <a:buSzPct val="100000"/>
               <a:buFont typeface="Menlo"/>
               <a:buChar char="•"/>
-              <a:defRPr b="0" sz="900">
-                <a:solidFill>
-                  <a:srgbClr val="C41A16"/>
-                </a:solidFill>
-                <a:latin typeface="Menlo"/>
-                <a:ea typeface="Menlo"/>
-                <a:cs typeface="Menlo"/>
-                <a:sym typeface="Menlo"/>
+              <a:defRPr b="0" sz="1100">
+                <a:solidFill>
+                  <a:srgbClr val="5C2699"/>
+                </a:solidFill>
+                <a:latin typeface="Arial"/>
+                <a:ea typeface="Arial"/>
+                <a:cs typeface="Arial"/>
+                <a:sym typeface="Arial"/>
               </a:defRPr>
             </a:pPr>
             <a:r>
@@ -36085,9 +36080,9 @@
             </a:endParaRPr>
           </a:p>
           <a:p>
-            <a:pPr marL="457200" indent="-317500" defTabSz="457200">
+            <a:pPr marL="527755" indent="-388055" defTabSz="457200">
               <a:lnSpc>
-                <a:spcPts val="2300"/>
+                <a:spcPts val="1700"/>
               </a:lnSpc>
               <a:spcBef>
                 <a:spcPts val="0"/>
@@ -36098,14 +36093,14 @@
               <a:buSzPct val="100000"/>
               <a:buFont typeface="Menlo"/>
               <a:buChar char="•"/>
-              <a:defRPr b="0" sz="900">
-                <a:solidFill>
-                  <a:srgbClr val="AA0D91"/>
-                </a:solidFill>
-                <a:latin typeface="Menlo"/>
-                <a:ea typeface="Menlo"/>
-                <a:cs typeface="Menlo"/>
-                <a:sym typeface="Menlo"/>
+              <a:defRPr b="0" sz="1100">
+                <a:solidFill>
+                  <a:srgbClr val="5C2699"/>
+                </a:solidFill>
+                <a:latin typeface="Arial"/>
+                <a:ea typeface="Arial"/>
+                <a:cs typeface="Arial"/>
+                <a:sym typeface="Arial"/>
               </a:defRPr>
             </a:pPr>
             <a:r>
@@ -36126,9 +36121,9 @@
             </a:endParaRPr>
           </a:p>
           <a:p>
-            <a:pPr marL="457200" indent="-317500" defTabSz="457200">
+            <a:pPr marL="527755" indent="-388055" defTabSz="457200">
               <a:lnSpc>
-                <a:spcPts val="2300"/>
+                <a:spcPts val="1700"/>
               </a:lnSpc>
               <a:spcBef>
                 <a:spcPts val="0"/>
@@ -36139,14 +36134,14 @@
               <a:buSzPct val="100000"/>
               <a:buFont typeface="Menlo"/>
               <a:buChar char="•"/>
-              <a:defRPr b="0" sz="900">
-                <a:solidFill>
-                  <a:srgbClr val="C41A16"/>
-                </a:solidFill>
-                <a:latin typeface="Menlo"/>
-                <a:ea typeface="Menlo"/>
-                <a:cs typeface="Menlo"/>
-                <a:sym typeface="Menlo"/>
+              <a:defRPr b="0" sz="1100">
+                <a:solidFill>
+                  <a:srgbClr val="5C2699"/>
+                </a:solidFill>
+                <a:latin typeface="Arial"/>
+                <a:ea typeface="Arial"/>
+                <a:cs typeface="Arial"/>
+                <a:sym typeface="Arial"/>
               </a:defRPr>
             </a:pPr>
             <a:r>
@@ -36191,9 +36186,9 @@
             </a:endParaRPr>
           </a:p>
           <a:p>
-            <a:pPr marL="457200" indent="-317500" defTabSz="457200">
+            <a:pPr marL="527755" indent="-388055" defTabSz="457200">
               <a:lnSpc>
-                <a:spcPts val="2300"/>
+                <a:spcPts val="1700"/>
               </a:lnSpc>
               <a:spcBef>
                 <a:spcPts val="0"/>
@@ -36204,14 +36199,14 @@
               <a:buSzPct val="100000"/>
               <a:buFont typeface="Menlo"/>
               <a:buChar char="•"/>
-              <a:defRPr b="0" sz="900">
-                <a:solidFill>
-                  <a:srgbClr val="333333"/>
-                </a:solidFill>
-                <a:latin typeface="Menlo"/>
-                <a:ea typeface="Menlo"/>
-                <a:cs typeface="Menlo"/>
-                <a:sym typeface="Menlo"/>
+              <a:defRPr b="0" sz="1100">
+                <a:solidFill>
+                  <a:srgbClr val="5C2699"/>
+                </a:solidFill>
+                <a:latin typeface="Arial"/>
+                <a:ea typeface="Arial"/>
+                <a:cs typeface="Arial"/>
+                <a:sym typeface="Arial"/>
               </a:defRPr>
             </a:pPr>
             <a:r>
@@ -36219,9 +36214,9 @@
             </a:r>
           </a:p>
           <a:p>
-            <a:pPr marL="457200" indent="-317500" defTabSz="457200">
+            <a:pPr marL="527755" indent="-388055" defTabSz="457200">
               <a:lnSpc>
-                <a:spcPts val="2300"/>
+                <a:spcPts val="1700"/>
               </a:lnSpc>
               <a:spcBef>
                 <a:spcPts val="0"/>
@@ -36232,14 +36227,14 @@
               <a:buSzPct val="100000"/>
               <a:buFont typeface="Menlo"/>
               <a:buChar char="•"/>
-              <a:defRPr b="0" sz="900">
-                <a:solidFill>
-                  <a:srgbClr val="007400"/>
-                </a:solidFill>
-                <a:latin typeface="Menlo"/>
-                <a:ea typeface="Menlo"/>
-                <a:cs typeface="Menlo"/>
-                <a:sym typeface="Menlo"/>
+              <a:defRPr b="0" sz="1100">
+                <a:solidFill>
+                  <a:srgbClr val="5C2699"/>
+                </a:solidFill>
+                <a:latin typeface="Arial"/>
+                <a:ea typeface="Arial"/>
+                <a:cs typeface="Arial"/>
+                <a:sym typeface="Arial"/>
               </a:defRPr>
             </a:pPr>
             <a:r>
@@ -36393,7 +36388,7 @@
         <p:spPr>
           <a:xfrm>
             <a:off x="576953" y="1101687"/>
-            <a:ext cx="3864432" cy="1209041"/>
+            <a:ext cx="3695269" cy="1589165"/>
           </a:xfrm>
           <a:prstGeom prst="rect">
             <a:avLst/>
@@ -36413,9 +36408,9 @@
           </a:bodyPr>
           <a:lstStyle/>
           <a:p>
-            <a:pPr marL="457200" indent="-317500" defTabSz="457200">
+            <a:pPr marL="527755" indent="-388055" defTabSz="457200">
               <a:lnSpc>
-                <a:spcPts val="2300"/>
+                <a:spcPts val="1700"/>
               </a:lnSpc>
               <a:spcBef>
                 <a:spcPts val="0"/>
@@ -36426,14 +36421,14 @@
               <a:buSzPct val="100000"/>
               <a:buFont typeface="Menlo"/>
               <a:buChar char="•"/>
-              <a:defRPr b="0" sz="900">
+              <a:defRPr b="0" sz="1100">
                 <a:solidFill>
                   <a:srgbClr val="5C2699"/>
                 </a:solidFill>
-                <a:latin typeface="Menlo"/>
-                <a:ea typeface="Menlo"/>
-                <a:cs typeface="Menlo"/>
-                <a:sym typeface="Menlo"/>
+                <a:latin typeface="Arial"/>
+                <a:ea typeface="Arial"/>
+                <a:cs typeface="Arial"/>
+                <a:sym typeface="Arial"/>
               </a:defRPr>
             </a:pPr>
             <a:r>
@@ -36486,9 +36481,9 @@
             </a:endParaRPr>
           </a:p>
           <a:p>
-            <a:pPr marL="457200" indent="-317500" defTabSz="457200">
+            <a:pPr marL="527755" indent="-388055" defTabSz="457200">
               <a:lnSpc>
-                <a:spcPts val="2300"/>
+                <a:spcPts val="1700"/>
               </a:lnSpc>
               <a:spcBef>
                 <a:spcPts val="0"/>
@@ -36499,14 +36494,14 @@
               <a:buSzPct val="100000"/>
               <a:buFont typeface="Menlo"/>
               <a:buChar char="•"/>
-              <a:defRPr b="0" sz="900">
-                <a:solidFill>
-                  <a:srgbClr val="333333"/>
-                </a:solidFill>
-                <a:latin typeface="Menlo"/>
-                <a:ea typeface="Menlo"/>
-                <a:cs typeface="Menlo"/>
-                <a:sym typeface="Menlo"/>
+              <a:defRPr b="0" sz="1100">
+                <a:solidFill>
+                  <a:srgbClr val="5C2699"/>
+                </a:solidFill>
+                <a:latin typeface="Arial"/>
+                <a:ea typeface="Arial"/>
+                <a:cs typeface="Arial"/>
+                <a:sym typeface="Arial"/>
               </a:defRPr>
             </a:pPr>
             <a:r>
@@ -36555,9 +36550,9 @@
             </a:r>
           </a:p>
           <a:p>
-            <a:pPr marL="457200" indent="-317500" defTabSz="457200">
+            <a:pPr marL="527755" indent="-388055" defTabSz="457200">
               <a:lnSpc>
-                <a:spcPts val="2300"/>
+                <a:spcPts val="1700"/>
               </a:lnSpc>
               <a:spcBef>
                 <a:spcPts val="0"/>
@@ -36568,14 +36563,14 @@
               <a:buSzPct val="100000"/>
               <a:buFont typeface="Menlo"/>
               <a:buChar char="•"/>
-              <a:defRPr b="0" sz="900">
-                <a:solidFill>
-                  <a:srgbClr val="333333"/>
-                </a:solidFill>
-                <a:latin typeface="Menlo"/>
-                <a:ea typeface="Menlo"/>
-                <a:cs typeface="Menlo"/>
-                <a:sym typeface="Menlo"/>
+              <a:defRPr b="0" sz="1100">
+                <a:solidFill>
+                  <a:srgbClr val="5C2699"/>
+                </a:solidFill>
+                <a:latin typeface="Arial"/>
+                <a:ea typeface="Arial"/>
+                <a:cs typeface="Arial"/>
+                <a:sym typeface="Arial"/>
               </a:defRPr>
             </a:pPr>
             <a:r>
@@ -36583,9 +36578,9 @@
             </a:r>
           </a:p>
           <a:p>
-            <a:pPr marL="457200" indent="-317500" defTabSz="457200">
+            <a:pPr marL="527755" indent="-388055" defTabSz="457200">
               <a:lnSpc>
-                <a:spcPts val="2300"/>
+                <a:spcPts val="1700"/>
               </a:lnSpc>
               <a:spcBef>
                 <a:spcPts val="0"/>
@@ -36596,14 +36591,14 @@
               <a:buSzPct val="100000"/>
               <a:buFont typeface="Menlo"/>
               <a:buChar char="•"/>
-              <a:defRPr b="0" sz="900">
-                <a:solidFill>
-                  <a:srgbClr val="3F6E74"/>
-                </a:solidFill>
-                <a:latin typeface="Menlo"/>
-                <a:ea typeface="Menlo"/>
-                <a:cs typeface="Menlo"/>
-                <a:sym typeface="Menlo"/>
+              <a:defRPr b="0" sz="1100">
+                <a:solidFill>
+                  <a:srgbClr val="5C2699"/>
+                </a:solidFill>
+                <a:latin typeface="Arial"/>
+                <a:ea typeface="Arial"/>
+                <a:cs typeface="Arial"/>
+                <a:sym typeface="Arial"/>
               </a:defRPr>
             </a:pPr>
             <a:r>
@@ -36665,9 +36660,9 @@
             </a:endParaRPr>
           </a:p>
           <a:p>
-            <a:pPr marL="457200" indent="-317500" defTabSz="457200">
+            <a:pPr marL="527755" indent="-388055" defTabSz="457200">
               <a:lnSpc>
-                <a:spcPts val="2300"/>
+                <a:spcPts val="1700"/>
               </a:lnSpc>
               <a:spcBef>
                 <a:spcPts val="0"/>
@@ -36678,14 +36673,14 @@
               <a:buSzPct val="100000"/>
               <a:buFont typeface="Menlo"/>
               <a:buChar char="•"/>
-              <a:defRPr b="0" sz="900">
-                <a:solidFill>
-                  <a:srgbClr val="C41A16"/>
-                </a:solidFill>
-                <a:latin typeface="Menlo"/>
-                <a:ea typeface="Menlo"/>
-                <a:cs typeface="Menlo"/>
-                <a:sym typeface="Menlo"/>
+              <a:defRPr b="0" sz="1100">
+                <a:solidFill>
+                  <a:srgbClr val="5C2699"/>
+                </a:solidFill>
+                <a:latin typeface="Arial"/>
+                <a:ea typeface="Arial"/>
+                <a:cs typeface="Arial"/>
+                <a:sym typeface="Arial"/>
               </a:defRPr>
             </a:pPr>
             <a:r>
@@ -36749,9 +36744,9 @@
             </a:endParaRPr>
           </a:p>
           <a:p>
-            <a:pPr marL="457200" indent="-317500" defTabSz="457200">
+            <a:pPr marL="527755" indent="-388055" defTabSz="457200">
               <a:lnSpc>
-                <a:spcPts val="2300"/>
+                <a:spcPts val="1700"/>
               </a:lnSpc>
               <a:spcBef>
                 <a:spcPts val="0"/>
@@ -36762,14 +36757,14 @@
               <a:buSzPct val="100000"/>
               <a:buFont typeface="Menlo"/>
               <a:buChar char="•"/>
-              <a:defRPr b="0" sz="900">
-                <a:solidFill>
-                  <a:srgbClr val="007400"/>
-                </a:solidFill>
-                <a:latin typeface="Menlo"/>
-                <a:ea typeface="Menlo"/>
-                <a:cs typeface="Menlo"/>
-                <a:sym typeface="Menlo"/>
+              <a:defRPr b="0" sz="1100">
+                <a:solidFill>
+                  <a:srgbClr val="5C2699"/>
+                </a:solidFill>
+                <a:latin typeface="Arial"/>
+                <a:ea typeface="Arial"/>
+                <a:cs typeface="Arial"/>
+                <a:sym typeface="Arial"/>
               </a:defRPr>
             </a:pPr>
             <a:r>
@@ -36792,7 +36787,7 @@
         <p:spPr>
           <a:xfrm>
             <a:off x="4575992" y="1101687"/>
-            <a:ext cx="3038659" cy="1043941"/>
+            <a:ext cx="2899497" cy="1373265"/>
           </a:xfrm>
           <a:prstGeom prst="rect">
             <a:avLst/>
@@ -36812,9 +36807,9 @@
           </a:bodyPr>
           <a:lstStyle/>
           <a:p>
-            <a:pPr marL="457200" indent="-317500" defTabSz="457200">
+            <a:pPr marL="527755" indent="-388055" defTabSz="457200">
               <a:lnSpc>
-                <a:spcPts val="2300"/>
+                <a:spcPts val="1700"/>
               </a:lnSpc>
               <a:spcBef>
                 <a:spcPts val="0"/>
@@ -36825,14 +36820,14 @@
               <a:buSzPct val="100000"/>
               <a:buFont typeface="Menlo"/>
               <a:buChar char="•"/>
-              <a:defRPr b="0" sz="900">
-                <a:solidFill>
-                  <a:srgbClr val="3F6E74"/>
-                </a:solidFill>
-                <a:latin typeface="Menlo"/>
-                <a:ea typeface="Menlo"/>
-                <a:cs typeface="Menlo"/>
-                <a:sym typeface="Menlo"/>
+              <a:defRPr b="0" sz="1100">
+                <a:solidFill>
+                  <a:srgbClr val="5C2699"/>
+                </a:solidFill>
+                <a:latin typeface="Arial"/>
+                <a:ea typeface="Arial"/>
+                <a:cs typeface="Arial"/>
+                <a:sym typeface="Arial"/>
               </a:defRPr>
             </a:pPr>
             <a:r>
@@ -36907,9 +36902,9 @@
             </a:endParaRPr>
           </a:p>
           <a:p>
-            <a:pPr marL="457200" indent="-317500" defTabSz="457200">
+            <a:pPr marL="527755" indent="-388055" defTabSz="457200">
               <a:lnSpc>
-                <a:spcPts val="2300"/>
+                <a:spcPts val="1700"/>
               </a:lnSpc>
               <a:spcBef>
                 <a:spcPts val="0"/>
@@ -36920,14 +36915,14 @@
               <a:buSzPct val="100000"/>
               <a:buFont typeface="Menlo"/>
               <a:buChar char="•"/>
-              <a:defRPr b="0" sz="900">
-                <a:solidFill>
-                  <a:srgbClr val="3F6E74"/>
-                </a:solidFill>
-                <a:latin typeface="Menlo"/>
-                <a:ea typeface="Menlo"/>
-                <a:cs typeface="Menlo"/>
-                <a:sym typeface="Menlo"/>
+              <a:defRPr b="0" sz="1100">
+                <a:solidFill>
+                  <a:srgbClr val="5C2699"/>
+                </a:solidFill>
+                <a:latin typeface="Arial"/>
+                <a:ea typeface="Arial"/>
+                <a:cs typeface="Arial"/>
+                <a:sym typeface="Arial"/>
               </a:defRPr>
             </a:pPr>
             <a:r>
@@ -36967,9 +36962,9 @@
             </a:endParaRPr>
           </a:p>
           <a:p>
-            <a:pPr marL="457200" indent="-317500" defTabSz="457200">
+            <a:pPr marL="527755" indent="-388055" defTabSz="457200">
               <a:lnSpc>
-                <a:spcPts val="2300"/>
+                <a:spcPts val="1700"/>
               </a:lnSpc>
               <a:spcBef>
                 <a:spcPts val="0"/>
@@ -36980,14 +36975,14 @@
               <a:buSzPct val="100000"/>
               <a:buFont typeface="Menlo"/>
               <a:buChar char="•"/>
-              <a:defRPr b="0" sz="900">
-                <a:solidFill>
-                  <a:srgbClr val="333333"/>
-                </a:solidFill>
-                <a:latin typeface="Menlo"/>
-                <a:ea typeface="Menlo"/>
-                <a:cs typeface="Menlo"/>
-                <a:sym typeface="Menlo"/>
+              <a:defRPr b="0" sz="1100">
+                <a:solidFill>
+                  <a:srgbClr val="5C2699"/>
+                </a:solidFill>
+                <a:latin typeface="Arial"/>
+                <a:ea typeface="Arial"/>
+                <a:cs typeface="Arial"/>
+                <a:sym typeface="Arial"/>
               </a:defRPr>
             </a:pPr>
             <a:r>
@@ -36995,9 +36990,9 @@
             </a:r>
           </a:p>
           <a:p>
-            <a:pPr marL="457200" indent="-317500" defTabSz="457200">
+            <a:pPr marL="527755" indent="-388055" defTabSz="457200">
               <a:lnSpc>
-                <a:spcPts val="2300"/>
+                <a:spcPts val="1700"/>
               </a:lnSpc>
               <a:spcBef>
                 <a:spcPts val="0"/>
@@ -37008,14 +37003,14 @@
               <a:buSzPct val="100000"/>
               <a:buFont typeface="Menlo"/>
               <a:buChar char="•"/>
-              <a:defRPr b="0" sz="900">
-                <a:solidFill>
-                  <a:srgbClr val="007400"/>
-                </a:solidFill>
-                <a:latin typeface="Menlo"/>
-                <a:ea typeface="Menlo"/>
-                <a:cs typeface="Menlo"/>
-                <a:sym typeface="Menlo"/>
+              <a:defRPr b="0" sz="1100">
+                <a:solidFill>
+                  <a:srgbClr val="5C2699"/>
+                </a:solidFill>
+                <a:latin typeface="Arial"/>
+                <a:ea typeface="Arial"/>
+                <a:cs typeface="Arial"/>
+                <a:sym typeface="Arial"/>
               </a:defRPr>
             </a:pPr>
             <a:r>
@@ -37028,9 +37023,9 @@
             </a:endParaRPr>
           </a:p>
           <a:p>
-            <a:pPr marL="457200" indent="-317500" defTabSz="457200">
+            <a:pPr marL="527755" indent="-388055" defTabSz="457200">
               <a:lnSpc>
-                <a:spcPts val="2300"/>
+                <a:spcPts val="1700"/>
               </a:lnSpc>
               <a:spcBef>
                 <a:spcPts val="0"/>
@@ -37041,14 +37036,14 @@
               <a:buSzPct val="100000"/>
               <a:buFont typeface="Menlo"/>
               <a:buChar char="•"/>
-              <a:defRPr b="0" sz="900">
-                <a:solidFill>
-                  <a:srgbClr val="007400"/>
-                </a:solidFill>
-                <a:latin typeface="Menlo"/>
-                <a:ea typeface="Menlo"/>
-                <a:cs typeface="Menlo"/>
-                <a:sym typeface="Menlo"/>
+              <a:defRPr b="0" sz="1100">
+                <a:solidFill>
+                  <a:srgbClr val="5C2699"/>
+                </a:solidFill>
+                <a:latin typeface="Arial"/>
+                <a:ea typeface="Arial"/>
+                <a:cs typeface="Arial"/>
+                <a:sym typeface="Arial"/>
               </a:defRPr>
             </a:pPr>
             <a:r>
@@ -37061,9 +37056,9 @@
             </a:endParaRPr>
           </a:p>
           <a:p>
-            <a:pPr marL="457200" indent="-317500" defTabSz="457200">
+            <a:pPr marL="527755" indent="-388055" defTabSz="457200">
               <a:lnSpc>
-                <a:spcPts val="2300"/>
+                <a:spcPts val="1700"/>
               </a:lnSpc>
               <a:spcBef>
                 <a:spcPts val="0"/>
@@ -37074,14 +37069,14 @@
               <a:buSzPct val="100000"/>
               <a:buFont typeface="Menlo"/>
               <a:buChar char="•"/>
-              <a:defRPr b="0" sz="900">
-                <a:solidFill>
-                  <a:srgbClr val="007400"/>
-                </a:solidFill>
-                <a:latin typeface="Menlo"/>
-                <a:ea typeface="Menlo"/>
-                <a:cs typeface="Menlo"/>
-                <a:sym typeface="Menlo"/>
+              <a:defRPr b="0" sz="1100">
+                <a:solidFill>
+                  <a:srgbClr val="5C2699"/>
+                </a:solidFill>
+                <a:latin typeface="Arial"/>
+                <a:ea typeface="Arial"/>
+                <a:cs typeface="Arial"/>
+                <a:sym typeface="Arial"/>
               </a:defRPr>
             </a:pPr>
             <a:r>
@@ -37230,7 +37225,7 @@
         <p:spPr>
           <a:xfrm>
             <a:off x="576953" y="1101687"/>
-            <a:ext cx="2832216" cy="751841"/>
+            <a:ext cx="2332308" cy="941465"/>
           </a:xfrm>
           <a:prstGeom prst="rect">
             <a:avLst/>
@@ -37250,9 +37245,9 @@
           </a:bodyPr>
           <a:lstStyle/>
           <a:p>
-            <a:pPr marL="457200" indent="-317500" defTabSz="457200">
+            <a:pPr marL="527755" indent="-388055" defTabSz="457200">
               <a:lnSpc>
-                <a:spcPts val="2400"/>
+                <a:spcPts val="1700"/>
               </a:lnSpc>
               <a:spcBef>
                 <a:spcPts val="0"/>
@@ -37263,14 +37258,14 @@
               <a:buSzPct val="100000"/>
               <a:buFont typeface="Menlo"/>
               <a:buChar char="•"/>
-              <a:defRPr b="0" sz="900">
-                <a:solidFill>
-                  <a:srgbClr val="AA0D91"/>
-                </a:solidFill>
-                <a:latin typeface="Menlo"/>
-                <a:ea typeface="Menlo"/>
-                <a:cs typeface="Menlo"/>
-                <a:sym typeface="Menlo"/>
+              <a:defRPr b="0" sz="1100">
+                <a:solidFill>
+                  <a:srgbClr val="5C2699"/>
+                </a:solidFill>
+                <a:latin typeface="Arial"/>
+                <a:ea typeface="Arial"/>
+                <a:cs typeface="Arial"/>
+                <a:sym typeface="Arial"/>
               </a:defRPr>
             </a:pPr>
             <a:r>
@@ -37307,9 +37302,9 @@
             </a:endParaRPr>
           </a:p>
           <a:p>
-            <a:pPr marL="457200" indent="-317500" defTabSz="457200">
+            <a:pPr marL="527755" indent="-388055" defTabSz="457200">
               <a:lnSpc>
-                <a:spcPts val="2400"/>
+                <a:spcPts val="1700"/>
               </a:lnSpc>
               <a:spcBef>
                 <a:spcPts val="0"/>
@@ -37320,14 +37315,14 @@
               <a:buSzPct val="100000"/>
               <a:buFont typeface="Menlo"/>
               <a:buChar char="•"/>
-              <a:defRPr b="0" sz="900">
-                <a:solidFill>
-                  <a:srgbClr val="333333"/>
-                </a:solidFill>
-                <a:latin typeface="Menlo"/>
-                <a:ea typeface="Menlo"/>
-                <a:cs typeface="Menlo"/>
-                <a:sym typeface="Menlo"/>
+              <a:defRPr b="0" sz="1100">
+                <a:solidFill>
+                  <a:srgbClr val="5C2699"/>
+                </a:solidFill>
+                <a:latin typeface="Arial"/>
+                <a:ea typeface="Arial"/>
+                <a:cs typeface="Arial"/>
+                <a:sym typeface="Arial"/>
               </a:defRPr>
             </a:pPr>
             <a:r>
@@ -37401,9 +37396,9 @@
             </a:r>
           </a:p>
           <a:p>
-            <a:pPr marL="457200" indent="-317500" defTabSz="457200">
+            <a:pPr marL="527755" indent="-388055" defTabSz="457200">
               <a:lnSpc>
-                <a:spcPts val="2400"/>
+                <a:spcPts val="1700"/>
               </a:lnSpc>
               <a:spcBef>
                 <a:spcPts val="0"/>
@@ -37414,14 +37409,14 @@
               <a:buSzPct val="100000"/>
               <a:buFont typeface="Menlo"/>
               <a:buChar char="•"/>
-              <a:defRPr b="0" sz="900">
-                <a:solidFill>
-                  <a:srgbClr val="333333"/>
-                </a:solidFill>
-                <a:latin typeface="Menlo"/>
-                <a:ea typeface="Menlo"/>
-                <a:cs typeface="Menlo"/>
-                <a:sym typeface="Menlo"/>
+              <a:defRPr b="0" sz="1100">
+                <a:solidFill>
+                  <a:srgbClr val="5C2699"/>
+                </a:solidFill>
+                <a:latin typeface="Arial"/>
+                <a:ea typeface="Arial"/>
+                <a:cs typeface="Arial"/>
+                <a:sym typeface="Arial"/>
               </a:defRPr>
             </a:pPr>
             <a:r>
@@ -37462,9 +37457,9 @@
             </a:r>
           </a:p>
           <a:p>
-            <a:pPr marL="457200" indent="-317500" defTabSz="457200">
+            <a:pPr marL="527755" indent="-388055" defTabSz="457200">
               <a:lnSpc>
-                <a:spcPts val="2400"/>
+                <a:spcPts val="1700"/>
               </a:lnSpc>
               <a:spcBef>
                 <a:spcPts val="0"/>
@@ -37475,14 +37470,14 @@
               <a:buSzPct val="100000"/>
               <a:buFont typeface="Menlo"/>
               <a:buChar char="•"/>
-              <a:defRPr b="0" sz="900">
-                <a:solidFill>
-                  <a:srgbClr val="333333"/>
-                </a:solidFill>
-                <a:latin typeface="Menlo"/>
-                <a:ea typeface="Menlo"/>
-                <a:cs typeface="Menlo"/>
-                <a:sym typeface="Menlo"/>
+              <a:defRPr b="0" sz="1100">
+                <a:solidFill>
+                  <a:srgbClr val="5C2699"/>
+                </a:solidFill>
+                <a:latin typeface="Arial"/>
+                <a:ea typeface="Arial"/>
+                <a:cs typeface="Arial"/>
+                <a:sym typeface="Arial"/>
               </a:defRPr>
             </a:pPr>
             <a:r>
@@ -37558,7 +37553,7 @@
         <p:spPr>
           <a:xfrm>
             <a:off x="558244" y="2200838"/>
-            <a:ext cx="4139690" cy="218441"/>
+            <a:ext cx="4052910" cy="293765"/>
           </a:xfrm>
           <a:prstGeom prst="rect">
             <a:avLst/>
@@ -37578,9 +37573,9 @@
           </a:bodyPr>
           <a:lstStyle/>
           <a:p>
-            <a:pPr marL="457200" indent="-317500" defTabSz="457200">
+            <a:pPr marL="527755" indent="-388055" defTabSz="457200">
               <a:lnSpc>
-                <a:spcPts val="2300"/>
+                <a:spcPts val="1700"/>
               </a:lnSpc>
               <a:spcBef>
                 <a:spcPts val="0"/>
@@ -37591,14 +37586,14 @@
               <a:buSzPct val="100000"/>
               <a:buFont typeface="Menlo"/>
               <a:buChar char="•"/>
-              <a:defRPr b="0" sz="900">
-                <a:solidFill>
-                  <a:srgbClr val="AA0D91"/>
-                </a:solidFill>
-                <a:latin typeface="Menlo"/>
-                <a:ea typeface="Menlo"/>
-                <a:cs typeface="Menlo"/>
-                <a:sym typeface="Menlo"/>
+              <a:defRPr b="0" sz="1100">
+                <a:solidFill>
+                  <a:srgbClr val="5C2699"/>
+                </a:solidFill>
+                <a:latin typeface="Arial"/>
+                <a:ea typeface="Arial"/>
+                <a:cs typeface="Arial"/>
+                <a:sym typeface="Arial"/>
               </a:defRPr>
             </a:pPr>
             <a:r>
@@ -37721,7 +37716,7 @@
         <p:spPr>
           <a:xfrm>
             <a:off x="572276" y="2766589"/>
-            <a:ext cx="3589175" cy="218441"/>
+            <a:ext cx="3941449" cy="293765"/>
           </a:xfrm>
           <a:prstGeom prst="rect">
             <a:avLst/>
@@ -37741,9 +37736,9 @@
           </a:bodyPr>
           <a:lstStyle/>
           <a:p>
-            <a:pPr marL="457200" indent="-317500" defTabSz="457200">
+            <a:pPr marL="527755" indent="-388055" defTabSz="457200">
               <a:lnSpc>
-                <a:spcPts val="2300"/>
+                <a:spcPts val="1700"/>
               </a:lnSpc>
               <a:spcBef>
                 <a:spcPts val="0"/>
@@ -37754,14 +37749,14 @@
               <a:buSzPct val="100000"/>
               <a:buFont typeface="Menlo"/>
               <a:buChar char="•"/>
-              <a:defRPr b="0" sz="900">
-                <a:solidFill>
-                  <a:srgbClr val="AA0D91"/>
-                </a:solidFill>
-                <a:latin typeface="Menlo"/>
-                <a:ea typeface="Menlo"/>
-                <a:cs typeface="Menlo"/>
-                <a:sym typeface="Menlo"/>
+              <a:defRPr b="0" sz="1100">
+                <a:solidFill>
+                  <a:srgbClr val="5C2699"/>
+                </a:solidFill>
+                <a:latin typeface="Arial"/>
+                <a:ea typeface="Arial"/>
+                <a:cs typeface="Arial"/>
+                <a:sym typeface="Arial"/>
               </a:defRPr>
             </a:pPr>
             <a:r>
@@ -38008,7 +38003,7 @@
         <p:spPr>
           <a:xfrm>
             <a:off x="576953" y="1433771"/>
-            <a:ext cx="5653607" cy="1374141"/>
+            <a:ext cx="5055025" cy="1805065"/>
           </a:xfrm>
           <a:prstGeom prst="rect">
             <a:avLst/>
@@ -38028,9 +38023,9 @@
           </a:bodyPr>
           <a:lstStyle/>
           <a:p>
-            <a:pPr marL="457200" indent="-317500" defTabSz="457200">
+            <a:pPr marL="527755" indent="-388055" defTabSz="457200">
               <a:lnSpc>
-                <a:spcPts val="2300"/>
+                <a:spcPts val="1700"/>
               </a:lnSpc>
               <a:spcBef>
                 <a:spcPts val="0"/>
@@ -38041,14 +38036,14 @@
               <a:buSzPct val="100000"/>
               <a:buFont typeface="Menlo"/>
               <a:buChar char="•"/>
-              <a:defRPr b="0" sz="900">
-                <a:solidFill>
-                  <a:srgbClr val="3F6E74"/>
-                </a:solidFill>
-                <a:latin typeface="Menlo"/>
-                <a:ea typeface="Menlo"/>
-                <a:cs typeface="Menlo"/>
-                <a:sym typeface="Menlo"/>
+              <a:defRPr b="0" sz="1100">
+                <a:solidFill>
+                  <a:srgbClr val="5C2699"/>
+                </a:solidFill>
+                <a:latin typeface="Arial"/>
+                <a:ea typeface="Arial"/>
+                <a:cs typeface="Arial"/>
+                <a:sym typeface="Arial"/>
               </a:defRPr>
             </a:pPr>
             <a:r>
@@ -38085,9 +38080,9 @@
             </a:endParaRPr>
           </a:p>
           <a:p>
-            <a:pPr marL="457200" indent="-317500" defTabSz="457200">
+            <a:pPr marL="527755" indent="-388055" defTabSz="457200">
               <a:lnSpc>
-                <a:spcPts val="2300"/>
+                <a:spcPts val="1700"/>
               </a:lnSpc>
               <a:spcBef>
                 <a:spcPts val="0"/>
@@ -38098,14 +38093,14 @@
               <a:buSzPct val="100000"/>
               <a:buFont typeface="Menlo"/>
               <a:buChar char="•"/>
-              <a:defRPr b="0" sz="900">
-                <a:solidFill>
-                  <a:srgbClr val="3F6E74"/>
-                </a:solidFill>
-                <a:latin typeface="Menlo"/>
-                <a:ea typeface="Menlo"/>
-                <a:cs typeface="Menlo"/>
-                <a:sym typeface="Menlo"/>
+              <a:defRPr b="0" sz="1100">
+                <a:solidFill>
+                  <a:srgbClr val="5C2699"/>
+                </a:solidFill>
+                <a:latin typeface="Arial"/>
+                <a:ea typeface="Arial"/>
+                <a:cs typeface="Arial"/>
+                <a:sym typeface="Arial"/>
               </a:defRPr>
             </a:pPr>
             <a:r>
@@ -38250,9 +38245,9 @@
             </a:endParaRPr>
           </a:p>
           <a:p>
-            <a:pPr marL="457200" indent="-317500" defTabSz="457200">
+            <a:pPr marL="527755" indent="-388055" defTabSz="457200">
               <a:lnSpc>
-                <a:spcPts val="2300"/>
+                <a:spcPts val="1700"/>
               </a:lnSpc>
               <a:spcBef>
                 <a:spcPts val="0"/>
@@ -38263,14 +38258,14 @@
               <a:buSzPct val="100000"/>
               <a:buFont typeface="Menlo"/>
               <a:buChar char="•"/>
-              <a:defRPr b="0" sz="900">
-                <a:solidFill>
-                  <a:srgbClr val="3F6E74"/>
-                </a:solidFill>
-                <a:latin typeface="Menlo"/>
-                <a:ea typeface="Menlo"/>
-                <a:cs typeface="Menlo"/>
-                <a:sym typeface="Menlo"/>
+              <a:defRPr b="0" sz="1100">
+                <a:solidFill>
+                  <a:srgbClr val="5C2699"/>
+                </a:solidFill>
+                <a:latin typeface="Arial"/>
+                <a:ea typeface="Arial"/>
+                <a:cs typeface="Arial"/>
+                <a:sym typeface="Arial"/>
               </a:defRPr>
             </a:pPr>
             <a:r>
@@ -38423,9 +38418,9 @@
             </a:endParaRPr>
           </a:p>
           <a:p>
-            <a:pPr marL="457200" indent="-317500" defTabSz="457200">
+            <a:pPr marL="527755" indent="-388055" defTabSz="457200">
               <a:lnSpc>
-                <a:spcPts val="2300"/>
+                <a:spcPts val="1700"/>
               </a:lnSpc>
               <a:spcBef>
                 <a:spcPts val="0"/>
@@ -38436,14 +38431,14 @@
               <a:buSzPct val="100000"/>
               <a:buFont typeface="Menlo"/>
               <a:buChar char="•"/>
-              <a:defRPr b="0" sz="900">
-                <a:solidFill>
-                  <a:srgbClr val="3F6E74"/>
-                </a:solidFill>
-                <a:latin typeface="Menlo"/>
-                <a:ea typeface="Menlo"/>
-                <a:cs typeface="Menlo"/>
-                <a:sym typeface="Menlo"/>
+              <a:defRPr b="0" sz="1100">
+                <a:solidFill>
+                  <a:srgbClr val="5C2699"/>
+                </a:solidFill>
+                <a:latin typeface="Arial"/>
+                <a:ea typeface="Arial"/>
+                <a:cs typeface="Arial"/>
+                <a:sym typeface="Arial"/>
               </a:defRPr>
             </a:pPr>
             <a:r>
@@ -38507,9 +38502,9 @@
             </a:endParaRPr>
           </a:p>
           <a:p>
-            <a:pPr marL="457200" indent="-317500" defTabSz="457200">
+            <a:pPr marL="527755" indent="-388055" defTabSz="457200">
               <a:lnSpc>
-                <a:spcPts val="2300"/>
+                <a:spcPts val="1700"/>
               </a:lnSpc>
               <a:spcBef>
                 <a:spcPts val="0"/>
@@ -38520,14 +38515,14 @@
               <a:buSzPct val="100000"/>
               <a:buFont typeface="Menlo"/>
               <a:buChar char="•"/>
-              <a:defRPr b="0" sz="900">
-                <a:solidFill>
-                  <a:srgbClr val="3F6E74"/>
-                </a:solidFill>
-                <a:latin typeface="Menlo"/>
-                <a:ea typeface="Menlo"/>
-                <a:cs typeface="Menlo"/>
-                <a:sym typeface="Menlo"/>
+              <a:defRPr b="0" sz="1100">
+                <a:solidFill>
+                  <a:srgbClr val="5C2699"/>
+                </a:solidFill>
+                <a:latin typeface="Arial"/>
+                <a:ea typeface="Arial"/>
+                <a:cs typeface="Arial"/>
+                <a:sym typeface="Arial"/>
               </a:defRPr>
             </a:pPr>
             <a:r>
@@ -38599,9 +38594,9 @@
             </a:endParaRPr>
           </a:p>
           <a:p>
-            <a:pPr marL="457200" indent="-317500" defTabSz="457200">
+            <a:pPr marL="527755" indent="-388055" defTabSz="457200">
               <a:lnSpc>
-                <a:spcPts val="2300"/>
+                <a:spcPts val="1700"/>
               </a:lnSpc>
               <a:spcBef>
                 <a:spcPts val="0"/>
@@ -38612,14 +38607,14 @@
               <a:buSzPct val="100000"/>
               <a:buFont typeface="Menlo"/>
               <a:buChar char="•"/>
-              <a:defRPr b="0" sz="900">
-                <a:solidFill>
-                  <a:srgbClr val="333333"/>
-                </a:solidFill>
-                <a:latin typeface="Menlo"/>
-                <a:ea typeface="Menlo"/>
-                <a:cs typeface="Menlo"/>
-                <a:sym typeface="Menlo"/>
+              <a:defRPr b="0" sz="1100">
+                <a:solidFill>
+                  <a:srgbClr val="5C2699"/>
+                </a:solidFill>
+                <a:latin typeface="Arial"/>
+                <a:ea typeface="Arial"/>
+                <a:cs typeface="Arial"/>
+                <a:sym typeface="Arial"/>
               </a:defRPr>
             </a:pPr>
             <a:r>
@@ -38627,9 +38622,9 @@
             </a:r>
           </a:p>
           <a:p>
-            <a:pPr marL="457200" indent="-317500" defTabSz="457200">
+            <a:pPr marL="527755" indent="-388055" defTabSz="457200">
               <a:lnSpc>
-                <a:spcPts val="2300"/>
+                <a:spcPts val="1700"/>
               </a:lnSpc>
               <a:spcBef>
                 <a:spcPts val="0"/>
@@ -38640,14 +38635,14 @@
               <a:buSzPct val="100000"/>
               <a:buFont typeface="Menlo"/>
               <a:buChar char="•"/>
-              <a:defRPr b="0" sz="900">
-                <a:solidFill>
-                  <a:srgbClr val="007400"/>
-                </a:solidFill>
-                <a:latin typeface="Menlo"/>
-                <a:ea typeface="Menlo"/>
-                <a:cs typeface="Menlo"/>
-                <a:sym typeface="Menlo"/>
+              <a:defRPr b="0" sz="1100">
+                <a:solidFill>
+                  <a:srgbClr val="5C2699"/>
+                </a:solidFill>
+                <a:latin typeface="Arial"/>
+                <a:ea typeface="Arial"/>
+                <a:cs typeface="Arial"/>
+                <a:sym typeface="Arial"/>
               </a:defRPr>
             </a:pPr>
             <a:r>
@@ -38669,8 +38664,8 @@
         </p:nvSpPr>
         <p:spPr>
           <a:xfrm>
-            <a:off x="542546" y="2991291"/>
-            <a:ext cx="5722421" cy="1374141"/>
+            <a:off x="557547" y="3187735"/>
+            <a:ext cx="5093838" cy="1805065"/>
           </a:xfrm>
           <a:prstGeom prst="rect">
             <a:avLst/>
@@ -38690,9 +38685,9 @@
           </a:bodyPr>
           <a:lstStyle/>
           <a:p>
-            <a:pPr marL="457200" indent="-317500" defTabSz="457200">
+            <a:pPr marL="527755" indent="-388055" defTabSz="457200">
               <a:lnSpc>
-                <a:spcPts val="2300"/>
+                <a:spcPts val="1700"/>
               </a:lnSpc>
               <a:spcBef>
                 <a:spcPts val="0"/>
@@ -38703,14 +38698,14 @@
               <a:buSzPct val="100000"/>
               <a:buFont typeface="Menlo"/>
               <a:buChar char="•"/>
-              <a:defRPr b="0" sz="900">
-                <a:solidFill>
-                  <a:srgbClr val="3F6E74"/>
-                </a:solidFill>
-                <a:latin typeface="Menlo"/>
-                <a:ea typeface="Menlo"/>
-                <a:cs typeface="Menlo"/>
-                <a:sym typeface="Menlo"/>
+              <a:defRPr b="0" sz="1100">
+                <a:solidFill>
+                  <a:srgbClr val="5C2699"/>
+                </a:solidFill>
+                <a:latin typeface="Arial"/>
+                <a:ea typeface="Arial"/>
+                <a:cs typeface="Arial"/>
+                <a:sym typeface="Arial"/>
               </a:defRPr>
             </a:pPr>
             <a:r>
@@ -38747,9 +38742,9 @@
             </a:endParaRPr>
           </a:p>
           <a:p>
-            <a:pPr marL="457200" indent="-317500" defTabSz="457200">
+            <a:pPr marL="527755" indent="-388055" defTabSz="457200">
               <a:lnSpc>
-                <a:spcPts val="2300"/>
+                <a:spcPts val="1700"/>
               </a:lnSpc>
               <a:spcBef>
                 <a:spcPts val="0"/>
@@ -38760,14 +38755,14 @@
               <a:buSzPct val="100000"/>
               <a:buFont typeface="Menlo"/>
               <a:buChar char="•"/>
-              <a:defRPr b="0" sz="900">
-                <a:solidFill>
-                  <a:srgbClr val="3F6E74"/>
-                </a:solidFill>
-                <a:latin typeface="Menlo"/>
-                <a:ea typeface="Menlo"/>
-                <a:cs typeface="Menlo"/>
-                <a:sym typeface="Menlo"/>
+              <a:defRPr b="0" sz="1100">
+                <a:solidFill>
+                  <a:srgbClr val="5C2699"/>
+                </a:solidFill>
+                <a:latin typeface="Arial"/>
+                <a:ea typeface="Arial"/>
+                <a:cs typeface="Arial"/>
+                <a:sym typeface="Arial"/>
               </a:defRPr>
             </a:pPr>
             <a:r>
@@ -38864,9 +38859,9 @@
             </a:endParaRPr>
           </a:p>
           <a:p>
-            <a:pPr marL="457200" indent="-317500" defTabSz="457200">
+            <a:pPr marL="527755" indent="-388055" defTabSz="457200">
               <a:lnSpc>
-                <a:spcPts val="2300"/>
+                <a:spcPts val="1700"/>
               </a:lnSpc>
               <a:spcBef>
                 <a:spcPts val="0"/>
@@ -38877,14 +38872,14 @@
               <a:buSzPct val="100000"/>
               <a:buFont typeface="Menlo"/>
               <a:buChar char="•"/>
-              <a:defRPr b="0" sz="900">
-                <a:solidFill>
-                  <a:srgbClr val="3F6E74"/>
-                </a:solidFill>
-                <a:latin typeface="Menlo"/>
-                <a:ea typeface="Menlo"/>
-                <a:cs typeface="Menlo"/>
-                <a:sym typeface="Menlo"/>
+              <a:defRPr b="0" sz="1100">
+                <a:solidFill>
+                  <a:srgbClr val="5C2699"/>
+                </a:solidFill>
+                <a:latin typeface="Arial"/>
+                <a:ea typeface="Arial"/>
+                <a:cs typeface="Arial"/>
+                <a:sym typeface="Arial"/>
               </a:defRPr>
             </a:pPr>
             <a:r>
@@ -39037,9 +39032,9 @@
             </a:endParaRPr>
           </a:p>
           <a:p>
-            <a:pPr marL="457200" indent="-317500" defTabSz="457200">
+            <a:pPr marL="527755" indent="-388055" defTabSz="457200">
               <a:lnSpc>
-                <a:spcPts val="2300"/>
+                <a:spcPts val="1700"/>
               </a:lnSpc>
               <a:spcBef>
                 <a:spcPts val="0"/>
@@ -39050,14 +39045,14 @@
               <a:buSzPct val="100000"/>
               <a:buFont typeface="Menlo"/>
               <a:buChar char="•"/>
-              <a:defRPr b="0" sz="900">
-                <a:solidFill>
-                  <a:srgbClr val="3F6E74"/>
-                </a:solidFill>
-                <a:latin typeface="Menlo"/>
-                <a:ea typeface="Menlo"/>
-                <a:cs typeface="Menlo"/>
-                <a:sym typeface="Menlo"/>
+              <a:defRPr b="0" sz="1100">
+                <a:solidFill>
+                  <a:srgbClr val="5C2699"/>
+                </a:solidFill>
+                <a:latin typeface="Arial"/>
+                <a:ea typeface="Arial"/>
+                <a:cs typeface="Arial"/>
+                <a:sym typeface="Arial"/>
               </a:defRPr>
             </a:pPr>
             <a:r>
@@ -39121,9 +39116,9 @@
             </a:endParaRPr>
           </a:p>
           <a:p>
-            <a:pPr marL="457200" indent="-317500" defTabSz="457200">
+            <a:pPr marL="527755" indent="-388055" defTabSz="457200">
               <a:lnSpc>
-                <a:spcPts val="2300"/>
+                <a:spcPts val="1700"/>
               </a:lnSpc>
               <a:spcBef>
                 <a:spcPts val="0"/>
@@ -39134,14 +39129,14 @@
               <a:buSzPct val="100000"/>
               <a:buFont typeface="Menlo"/>
               <a:buChar char="•"/>
-              <a:defRPr b="0" sz="900">
-                <a:solidFill>
-                  <a:srgbClr val="3F6E74"/>
-                </a:solidFill>
-                <a:latin typeface="Menlo"/>
-                <a:ea typeface="Menlo"/>
-                <a:cs typeface="Menlo"/>
-                <a:sym typeface="Menlo"/>
+              <a:defRPr b="0" sz="1100">
+                <a:solidFill>
+                  <a:srgbClr val="5C2699"/>
+                </a:solidFill>
+                <a:latin typeface="Arial"/>
+                <a:ea typeface="Arial"/>
+                <a:cs typeface="Arial"/>
+                <a:sym typeface="Arial"/>
               </a:defRPr>
             </a:pPr>
             <a:r>
@@ -39213,9 +39208,9 @@
             </a:endParaRPr>
           </a:p>
           <a:p>
-            <a:pPr marL="457200" indent="-317500" defTabSz="457200">
+            <a:pPr marL="527755" indent="-388055" defTabSz="457200">
               <a:lnSpc>
-                <a:spcPts val="2300"/>
+                <a:spcPts val="1700"/>
               </a:lnSpc>
               <a:spcBef>
                 <a:spcPts val="0"/>
@@ -39226,14 +39221,14 @@
               <a:buSzPct val="100000"/>
               <a:buFont typeface="Menlo"/>
               <a:buChar char="•"/>
-              <a:defRPr b="0" sz="900">
-                <a:solidFill>
-                  <a:srgbClr val="333333"/>
-                </a:solidFill>
-                <a:latin typeface="Menlo"/>
-                <a:ea typeface="Menlo"/>
-                <a:cs typeface="Menlo"/>
-                <a:sym typeface="Menlo"/>
+              <a:defRPr b="0" sz="1100">
+                <a:solidFill>
+                  <a:srgbClr val="5C2699"/>
+                </a:solidFill>
+                <a:latin typeface="Arial"/>
+                <a:ea typeface="Arial"/>
+                <a:cs typeface="Arial"/>
+                <a:sym typeface="Arial"/>
               </a:defRPr>
             </a:pPr>
             <a:r>
@@ -39241,9 +39236,9 @@
             </a:r>
           </a:p>
           <a:p>
-            <a:pPr marL="457200" indent="-317500" defTabSz="457200">
+            <a:pPr marL="527755" indent="-388055" defTabSz="457200">
               <a:lnSpc>
-                <a:spcPts val="2300"/>
+                <a:spcPts val="1700"/>
               </a:lnSpc>
               <a:spcBef>
                 <a:spcPts val="0"/>
@@ -39254,14 +39249,14 @@
               <a:buSzPct val="100000"/>
               <a:buFont typeface="Menlo"/>
               <a:buChar char="•"/>
-              <a:defRPr b="0" sz="900">
-                <a:solidFill>
-                  <a:srgbClr val="007400"/>
-                </a:solidFill>
-                <a:latin typeface="Menlo"/>
-                <a:ea typeface="Menlo"/>
-                <a:cs typeface="Menlo"/>
-                <a:sym typeface="Menlo"/>
+              <a:defRPr b="0" sz="1100">
+                <a:solidFill>
+                  <a:srgbClr val="5C2699"/>
+                </a:solidFill>
+                <a:latin typeface="Arial"/>
+                <a:ea typeface="Arial"/>
+                <a:cs typeface="Arial"/>
+                <a:sym typeface="Arial"/>
               </a:defRPr>
             </a:pPr>
             <a:r>
@@ -39415,7 +39410,7 @@
         <p:spPr>
           <a:xfrm>
             <a:off x="581630" y="1092332"/>
-            <a:ext cx="3313917" cy="878841"/>
+            <a:ext cx="3256320" cy="1157366"/>
           </a:xfrm>
           <a:prstGeom prst="rect">
             <a:avLst/>
@@ -39435,9 +39430,9 @@
           </a:bodyPr>
           <a:lstStyle/>
           <a:p>
-            <a:pPr marL="457200" indent="-317500" defTabSz="457200">
+            <a:pPr marL="527755" indent="-388055" defTabSz="457200">
               <a:lnSpc>
-                <a:spcPts val="2300"/>
+                <a:spcPts val="1700"/>
               </a:lnSpc>
               <a:spcBef>
                 <a:spcPts val="0"/>
@@ -39448,14 +39443,14 @@
               <a:buSzPct val="100000"/>
               <a:buFont typeface="Menlo"/>
               <a:buChar char="•"/>
-              <a:defRPr b="0" sz="900">
-                <a:solidFill>
-                  <a:srgbClr val="3F6E74"/>
-                </a:solidFill>
-                <a:latin typeface="Menlo"/>
-                <a:ea typeface="Menlo"/>
-                <a:cs typeface="Menlo"/>
-                <a:sym typeface="Menlo"/>
+              <a:defRPr b="0" sz="1100">
+                <a:solidFill>
+                  <a:srgbClr val="5C2699"/>
+                </a:solidFill>
+                <a:latin typeface="Arial"/>
+                <a:ea typeface="Arial"/>
+                <a:cs typeface="Arial"/>
+                <a:sym typeface="Arial"/>
               </a:defRPr>
             </a:pPr>
             <a:r>
@@ -39486,11 +39481,6 @@
               <a:t>: </a:t>
             </a:r>
             <a:r>
-              <a:rPr>
-                <a:solidFill>
-                  <a:srgbClr val="5C2699"/>
-                </a:solidFill>
-              </a:rPr>
               <a:t>Character</a:t>
             </a:r>
             <a:r>
@@ -39508,9 +39498,9 @@
             </a:endParaRPr>
           </a:p>
           <a:p>
-            <a:pPr marL="457200" indent="-317500" defTabSz="457200">
+            <a:pPr marL="527755" indent="-388055" defTabSz="457200">
               <a:lnSpc>
-                <a:spcPts val="2300"/>
+                <a:spcPts val="1700"/>
               </a:lnSpc>
               <a:spcBef>
                 <a:spcPts val="0"/>
@@ -39521,14 +39511,14 @@
               <a:buSzPct val="100000"/>
               <a:buFont typeface="Menlo"/>
               <a:buChar char="•"/>
-              <a:defRPr b="0" sz="900">
-                <a:solidFill>
-                  <a:srgbClr val="333333"/>
-                </a:solidFill>
-                <a:latin typeface="Menlo"/>
-                <a:ea typeface="Menlo"/>
-                <a:cs typeface="Menlo"/>
-                <a:sym typeface="Menlo"/>
+              <a:defRPr b="0" sz="1100">
+                <a:solidFill>
+                  <a:srgbClr val="5C2699"/>
+                </a:solidFill>
+                <a:latin typeface="Arial"/>
+                <a:ea typeface="Arial"/>
+                <a:cs typeface="Arial"/>
+                <a:sym typeface="Arial"/>
               </a:defRPr>
             </a:pPr>
             <a:r>
@@ -39566,9 +39556,9 @@
             </a:r>
           </a:p>
           <a:p>
-            <a:pPr marL="457200" indent="-317500" defTabSz="457200">
+            <a:pPr marL="527755" indent="-388055" defTabSz="457200">
               <a:lnSpc>
-                <a:spcPts val="2300"/>
+                <a:spcPts val="1700"/>
               </a:lnSpc>
               <a:spcBef>
                 <a:spcPts val="0"/>
@@ -39579,14 +39569,14 @@
               <a:buSzPct val="100000"/>
               <a:buFont typeface="Menlo"/>
               <a:buChar char="•"/>
-              <a:defRPr b="0" sz="900">
-                <a:solidFill>
-                  <a:srgbClr val="3F6E74"/>
-                </a:solidFill>
-                <a:latin typeface="Menlo"/>
-                <a:ea typeface="Menlo"/>
-                <a:cs typeface="Menlo"/>
-                <a:sym typeface="Menlo"/>
+              <a:defRPr b="0" sz="1100">
+                <a:solidFill>
+                  <a:srgbClr val="5C2699"/>
+                </a:solidFill>
+                <a:latin typeface="Arial"/>
+                <a:ea typeface="Arial"/>
+                <a:cs typeface="Arial"/>
+                <a:sym typeface="Arial"/>
               </a:defRPr>
             </a:pPr>
             <a:r>
@@ -39639,9 +39629,9 @@
             </a:endParaRPr>
           </a:p>
           <a:p>
-            <a:pPr marL="457200" indent="-317500" defTabSz="457200">
+            <a:pPr marL="527755" indent="-388055" defTabSz="457200">
               <a:lnSpc>
-                <a:spcPts val="2300"/>
+                <a:spcPts val="1700"/>
               </a:lnSpc>
               <a:spcBef>
                 <a:spcPts val="0"/>
@@ -39652,14 +39642,14 @@
               <a:buSzPct val="100000"/>
               <a:buFont typeface="Menlo"/>
               <a:buChar char="•"/>
-              <a:defRPr b="0" sz="900">
-                <a:solidFill>
-                  <a:srgbClr val="3F6E74"/>
-                </a:solidFill>
-                <a:latin typeface="Menlo"/>
-                <a:ea typeface="Menlo"/>
-                <a:cs typeface="Menlo"/>
-                <a:sym typeface="Menlo"/>
+              <a:defRPr b="0" sz="1100">
+                <a:solidFill>
+                  <a:srgbClr val="5C2699"/>
+                </a:solidFill>
+                <a:latin typeface="Arial"/>
+                <a:ea typeface="Arial"/>
+                <a:cs typeface="Arial"/>
+                <a:sym typeface="Arial"/>
               </a:defRPr>
             </a:pPr>
             <a:r>
@@ -39712,9 +39702,9 @@
             </a:endParaRPr>
           </a:p>
           <a:p>
-            <a:pPr marL="457200" indent="-317500" defTabSz="457200">
+            <a:pPr marL="527755" indent="-388055" defTabSz="457200">
               <a:lnSpc>
-                <a:spcPts val="2300"/>
+                <a:spcPts val="1700"/>
               </a:lnSpc>
               <a:spcBef>
                 <a:spcPts val="0"/>
@@ -39725,14 +39715,14 @@
               <a:buSzPct val="100000"/>
               <a:buFont typeface="Menlo"/>
               <a:buChar char="•"/>
-              <a:defRPr b="0" sz="900">
-                <a:solidFill>
-                  <a:srgbClr val="333333"/>
-                </a:solidFill>
-                <a:latin typeface="Menlo"/>
-                <a:ea typeface="Menlo"/>
-                <a:cs typeface="Menlo"/>
-                <a:sym typeface="Menlo"/>
+              <a:defRPr b="0" sz="1100">
+                <a:solidFill>
+                  <a:srgbClr val="5C2699"/>
+                </a:solidFill>
+                <a:latin typeface="Arial"/>
+                <a:ea typeface="Arial"/>
+                <a:cs typeface="Arial"/>
+                <a:sym typeface="Arial"/>
               </a:defRPr>
             </a:pPr>
             <a:r>
@@ -39881,7 +39871,7 @@
         <p:spPr>
           <a:xfrm>
             <a:off x="558244" y="3412964"/>
-            <a:ext cx="3933247" cy="1043941"/>
+            <a:ext cx="3824465" cy="1373265"/>
           </a:xfrm>
           <a:prstGeom prst="rect">
             <a:avLst/>
@@ -39901,9 +39891,9 @@
           </a:bodyPr>
           <a:lstStyle/>
           <a:p>
-            <a:pPr marL="457200" indent="-317500" defTabSz="457200">
+            <a:pPr marL="527755" indent="-388055" defTabSz="457200">
               <a:lnSpc>
-                <a:spcPts val="2300"/>
+                <a:spcPts val="1700"/>
               </a:lnSpc>
               <a:spcBef>
                 <a:spcPts val="0"/>
@@ -39914,14 +39904,14 @@
               <a:buSzPct val="100000"/>
               <a:buFont typeface="Menlo"/>
               <a:buChar char="•"/>
-              <a:defRPr b="0" sz="900">
-                <a:solidFill>
-                  <a:srgbClr val="3F6E74"/>
-                </a:solidFill>
-                <a:latin typeface="Menlo"/>
-                <a:ea typeface="Menlo"/>
-                <a:cs typeface="Menlo"/>
-                <a:sym typeface="Menlo"/>
+              <a:defRPr b="0" sz="1100">
+                <a:solidFill>
+                  <a:srgbClr val="5C2699"/>
+                </a:solidFill>
+                <a:latin typeface="Arial"/>
+                <a:ea typeface="Arial"/>
+                <a:cs typeface="Arial"/>
+                <a:sym typeface="Arial"/>
               </a:defRPr>
             </a:pPr>
             <a:r>
@@ -39983,9 +39973,9 @@
             </a:endParaRPr>
           </a:p>
           <a:p>
-            <a:pPr marL="457200" indent="-317500" defTabSz="457200">
+            <a:pPr marL="527755" indent="-388055" defTabSz="457200">
               <a:lnSpc>
-                <a:spcPts val="2300"/>
+                <a:spcPts val="1700"/>
               </a:lnSpc>
               <a:spcBef>
                 <a:spcPts val="0"/>
@@ -39996,14 +39986,14 @@
               <a:buSzPct val="100000"/>
               <a:buFont typeface="Menlo"/>
               <a:buChar char="•"/>
-              <a:defRPr b="0" sz="900">
-                <a:solidFill>
-                  <a:srgbClr val="007400"/>
-                </a:solidFill>
-                <a:latin typeface="Menlo"/>
-                <a:ea typeface="Menlo"/>
-                <a:cs typeface="Menlo"/>
-                <a:sym typeface="Menlo"/>
+              <a:defRPr b="0" sz="1100">
+                <a:solidFill>
+                  <a:srgbClr val="5C2699"/>
+                </a:solidFill>
+                <a:latin typeface="Arial"/>
+                <a:ea typeface="Arial"/>
+                <a:cs typeface="Arial"/>
+                <a:sym typeface="Arial"/>
               </a:defRPr>
             </a:pPr>
             <a:r>
@@ -40016,9 +40006,9 @@
             </a:endParaRPr>
           </a:p>
           <a:p>
-            <a:pPr marL="457200" indent="-317500" defTabSz="457200">
+            <a:pPr marL="527755" indent="-388055" defTabSz="457200">
               <a:lnSpc>
-                <a:spcPts val="2300"/>
+                <a:spcPts val="1700"/>
               </a:lnSpc>
               <a:spcBef>
                 <a:spcPts val="0"/>
@@ -40029,21 +40019,21 @@
               <a:buSzPct val="100000"/>
               <a:buFont typeface="Menlo"/>
               <a:buChar char="•"/>
-              <a:defRPr b="0" sz="900">
-                <a:solidFill>
-                  <a:srgbClr val="333333"/>
-                </a:solidFill>
-                <a:latin typeface="Menlo"/>
-                <a:ea typeface="Menlo"/>
-                <a:cs typeface="Menlo"/>
-                <a:sym typeface="Menlo"/>
+              <a:defRPr b="0" sz="1100">
+                <a:solidFill>
+                  <a:srgbClr val="5C2699"/>
+                </a:solidFill>
+                <a:latin typeface="Arial"/>
+                <a:ea typeface="Arial"/>
+                <a:cs typeface="Arial"/>
+                <a:sym typeface="Arial"/>
               </a:defRPr>
             </a:pPr>
           </a:p>
           <a:p>
-            <a:pPr marL="457200" indent="-317500" defTabSz="457200">
+            <a:pPr marL="527755" indent="-388055" defTabSz="457200">
               <a:lnSpc>
-                <a:spcPts val="2300"/>
+                <a:spcPts val="1700"/>
               </a:lnSpc>
               <a:spcBef>
                 <a:spcPts val="0"/>
@@ -40054,14 +40044,14 @@
               <a:buSzPct val="100000"/>
               <a:buFont typeface="Menlo"/>
               <a:buChar char="•"/>
-              <a:defRPr b="0" sz="900">
-                <a:solidFill>
-                  <a:srgbClr val="3F6E74"/>
-                </a:solidFill>
-                <a:latin typeface="Menlo"/>
-                <a:ea typeface="Menlo"/>
-                <a:cs typeface="Menlo"/>
-                <a:sym typeface="Menlo"/>
+              <a:defRPr b="0" sz="1100">
+                <a:solidFill>
+                  <a:srgbClr val="5C2699"/>
+                </a:solidFill>
+                <a:latin typeface="Arial"/>
+                <a:ea typeface="Arial"/>
+                <a:cs typeface="Arial"/>
+                <a:sym typeface="Arial"/>
               </a:defRPr>
             </a:pPr>
             <a:r>
@@ -40123,9 +40113,9 @@
             </a:endParaRPr>
           </a:p>
           <a:p>
-            <a:pPr marL="457200" indent="-317500" defTabSz="457200">
+            <a:pPr marL="527755" indent="-388055" defTabSz="457200">
               <a:lnSpc>
-                <a:spcPts val="2300"/>
+                <a:spcPts val="1700"/>
               </a:lnSpc>
               <a:spcBef>
                 <a:spcPts val="0"/>
@@ -40136,14 +40126,14 @@
               <a:buSzPct val="100000"/>
               <a:buFont typeface="Menlo"/>
               <a:buChar char="•"/>
-              <a:defRPr b="0" sz="900">
-                <a:solidFill>
-                  <a:srgbClr val="007400"/>
-                </a:solidFill>
-                <a:latin typeface="Menlo"/>
-                <a:ea typeface="Menlo"/>
-                <a:cs typeface="Menlo"/>
-                <a:sym typeface="Menlo"/>
+              <a:defRPr b="0" sz="1100">
+                <a:solidFill>
+                  <a:srgbClr val="5C2699"/>
+                </a:solidFill>
+                <a:latin typeface="Arial"/>
+                <a:ea typeface="Arial"/>
+                <a:cs typeface="Arial"/>
+                <a:sym typeface="Arial"/>
               </a:defRPr>
             </a:pPr>
             <a:r>
@@ -40166,7 +40156,7 @@
         <p:spPr>
           <a:xfrm>
             <a:off x="581630" y="1564061"/>
-            <a:ext cx="5722422" cy="548641"/>
+            <a:ext cx="5139473" cy="725566"/>
           </a:xfrm>
           <a:prstGeom prst="rect">
             <a:avLst/>
@@ -40186,9 +40176,9 @@
           </a:bodyPr>
           <a:lstStyle/>
           <a:p>
-            <a:pPr marL="457200" indent="-317500" defTabSz="457200">
+            <a:pPr marL="527755" indent="-388055" defTabSz="457200">
               <a:lnSpc>
-                <a:spcPts val="2300"/>
+                <a:spcPts val="1700"/>
               </a:lnSpc>
               <a:spcBef>
                 <a:spcPts val="0"/>
@@ -40199,14 +40189,14 @@
               <a:buSzPct val="100000"/>
               <a:buFont typeface="Menlo"/>
               <a:buChar char="•"/>
-              <a:defRPr b="0" sz="900">
-                <a:solidFill>
-                  <a:srgbClr val="AA0D91"/>
-                </a:solidFill>
-                <a:latin typeface="Menlo"/>
-                <a:ea typeface="Menlo"/>
-                <a:cs typeface="Menlo"/>
-                <a:sym typeface="Menlo"/>
+              <a:defRPr b="0" sz="1100">
+                <a:solidFill>
+                  <a:srgbClr val="5C2699"/>
+                </a:solidFill>
+                <a:latin typeface="Arial"/>
+                <a:ea typeface="Arial"/>
+                <a:cs typeface="Arial"/>
+                <a:sym typeface="Arial"/>
               </a:defRPr>
             </a:pPr>
             <a:r>
@@ -40237,11 +40227,6 @@
               <a:t>: </a:t>
             </a:r>
             <a:r>
-              <a:rPr>
-                <a:solidFill>
-                  <a:srgbClr val="5C2699"/>
-                </a:solidFill>
-              </a:rPr>
               <a:t>Int</a:t>
             </a:r>
             <a:r>
@@ -40259,9 +40244,9 @@
             </a:endParaRPr>
           </a:p>
           <a:p>
-            <a:pPr marL="457200" indent="-317500" defTabSz="457200">
+            <a:pPr marL="527755" indent="-388055" defTabSz="457200">
               <a:lnSpc>
-                <a:spcPts val="2300"/>
+                <a:spcPts val="1700"/>
               </a:lnSpc>
               <a:spcBef>
                 <a:spcPts val="0"/>
@@ -40272,14 +40257,14 @@
               <a:buSzPct val="100000"/>
               <a:buFont typeface="Menlo"/>
               <a:buChar char="•"/>
-              <a:defRPr b="0" sz="900">
-                <a:solidFill>
-                  <a:srgbClr val="333333"/>
-                </a:solidFill>
-                <a:latin typeface="Menlo"/>
-                <a:ea typeface="Menlo"/>
-                <a:cs typeface="Menlo"/>
-                <a:sym typeface="Menlo"/>
+              <a:defRPr b="0" sz="1100">
+                <a:solidFill>
+                  <a:srgbClr val="5C2699"/>
+                </a:solidFill>
+                <a:latin typeface="Arial"/>
+                <a:ea typeface="Arial"/>
+                <a:cs typeface="Arial"/>
+                <a:sym typeface="Arial"/>
               </a:defRPr>
             </a:pPr>
             <a:r>
@@ -40394,9 +40379,9 @@
             </a:r>
           </a:p>
           <a:p>
-            <a:pPr marL="457200" indent="-317500" defTabSz="457200">
+            <a:pPr marL="527755" indent="-388055" defTabSz="457200">
               <a:lnSpc>
-                <a:spcPts val="2300"/>
+                <a:spcPts val="1700"/>
               </a:lnSpc>
               <a:spcBef>
                 <a:spcPts val="0"/>
@@ -40407,14 +40392,14 @@
               <a:buSzPct val="100000"/>
               <a:buFont typeface="Menlo"/>
               <a:buChar char="•"/>
-              <a:defRPr b="0" sz="900">
-                <a:solidFill>
-                  <a:srgbClr val="333333"/>
-                </a:solidFill>
-                <a:latin typeface="Menlo"/>
-                <a:ea typeface="Menlo"/>
-                <a:cs typeface="Menlo"/>
-                <a:sym typeface="Menlo"/>
+              <a:defRPr b="0" sz="1100">
+                <a:solidFill>
+                  <a:srgbClr val="5C2699"/>
+                </a:solidFill>
+                <a:latin typeface="Arial"/>
+                <a:ea typeface="Arial"/>
+                <a:cs typeface="Arial"/>
+                <a:sym typeface="Arial"/>
               </a:defRPr>
             </a:pPr>
             <a:r>
@@ -40432,7 +40417,7 @@
         <p:spPr>
           <a:xfrm>
             <a:off x="558244" y="2460449"/>
-            <a:ext cx="2901031" cy="548641"/>
+            <a:ext cx="2604204" cy="725566"/>
           </a:xfrm>
           <a:prstGeom prst="rect">
             <a:avLst/>
@@ -40452,9 +40437,9 @@
           </a:bodyPr>
           <a:lstStyle/>
           <a:p>
-            <a:pPr marL="457200" indent="-317500" defTabSz="457200">
+            <a:pPr marL="527755" indent="-388055" defTabSz="457200">
               <a:lnSpc>
-                <a:spcPts val="2300"/>
+                <a:spcPts val="1700"/>
               </a:lnSpc>
               <a:spcBef>
                 <a:spcPts val="0"/>
@@ -40465,14 +40450,14 @@
               <a:buSzPct val="100000"/>
               <a:buFont typeface="Menlo"/>
               <a:buChar char="•"/>
-              <a:defRPr b="0" sz="900">
-                <a:solidFill>
-                  <a:srgbClr val="3F6E74"/>
-                </a:solidFill>
-                <a:latin typeface="Menlo"/>
-                <a:ea typeface="Menlo"/>
-                <a:cs typeface="Menlo"/>
-                <a:sym typeface="Menlo"/>
+              <a:defRPr b="0" sz="1100">
+                <a:solidFill>
+                  <a:srgbClr val="5C2699"/>
+                </a:solidFill>
+                <a:latin typeface="Arial"/>
+                <a:ea typeface="Arial"/>
+                <a:cs typeface="Arial"/>
+                <a:sym typeface="Arial"/>
               </a:defRPr>
             </a:pPr>
             <a:r>
@@ -40503,11 +40488,6 @@
               <a:t>: </a:t>
             </a:r>
             <a:r>
-              <a:rPr>
-                <a:solidFill>
-                  <a:srgbClr val="5C2699"/>
-                </a:solidFill>
-              </a:rPr>
               <a:t>String</a:t>
             </a:r>
             <a:r>
@@ -40525,9 +40505,9 @@
             </a:endParaRPr>
           </a:p>
           <a:p>
-            <a:pPr marL="457200" indent="-317500" defTabSz="457200">
+            <a:pPr marL="527755" indent="-388055" defTabSz="457200">
               <a:lnSpc>
-                <a:spcPts val="2300"/>
+                <a:spcPts val="1700"/>
               </a:lnSpc>
               <a:spcBef>
                 <a:spcPts val="0"/>
@@ -40538,14 +40518,14 @@
               <a:buSzPct val="100000"/>
               <a:buFont typeface="Menlo"/>
               <a:buChar char="•"/>
-              <a:defRPr b="0" sz="900">
-                <a:solidFill>
-                  <a:srgbClr val="333333"/>
-                </a:solidFill>
-                <a:latin typeface="Menlo"/>
-                <a:ea typeface="Menlo"/>
-                <a:cs typeface="Menlo"/>
-                <a:sym typeface="Menlo"/>
+              <a:defRPr b="0" sz="1100">
+                <a:solidFill>
+                  <a:srgbClr val="5C2699"/>
+                </a:solidFill>
+                <a:latin typeface="Arial"/>
+                <a:ea typeface="Arial"/>
+                <a:cs typeface="Arial"/>
+                <a:sym typeface="Arial"/>
               </a:defRPr>
             </a:pPr>
             <a:r>
@@ -40605,9 +40585,9 @@
             </a:r>
           </a:p>
           <a:p>
-            <a:pPr marL="457200" indent="-317500" defTabSz="457200">
+            <a:pPr marL="527755" indent="-388055" defTabSz="457200">
               <a:lnSpc>
-                <a:spcPts val="2300"/>
+                <a:spcPts val="1700"/>
               </a:lnSpc>
               <a:spcBef>
                 <a:spcPts val="0"/>
@@ -40618,14 +40598,14 @@
               <a:buSzPct val="100000"/>
               <a:buFont typeface="Menlo"/>
               <a:buChar char="•"/>
-              <a:defRPr b="0" sz="900">
-                <a:solidFill>
-                  <a:srgbClr val="333333"/>
-                </a:solidFill>
-                <a:latin typeface="Menlo"/>
-                <a:ea typeface="Menlo"/>
-                <a:cs typeface="Menlo"/>
-                <a:sym typeface="Menlo"/>
+              <a:defRPr b="0" sz="1100">
+                <a:solidFill>
+                  <a:srgbClr val="5C2699"/>
+                </a:solidFill>
+                <a:latin typeface="Arial"/>
+                <a:ea typeface="Arial"/>
+                <a:cs typeface="Arial"/>
+                <a:sym typeface="Arial"/>
               </a:defRPr>
             </a:pPr>
             <a:r>
